--- a/classLoader/类加载总结.pptx
+++ b/classLoader/类加载总结.pptx
@@ -4,6 +4,19 @@
   <p:sldMasterIdLst>
     <p:sldMasterId id="2147483648" r:id="rId1"/>
   </p:sldMasterIdLst>
+  <p:sldIdLst>
+    <p:sldId id="256" r:id="rId2"/>
+    <p:sldId id="257" r:id="rId3"/>
+    <p:sldId id="265" r:id="rId4"/>
+    <p:sldId id="258" r:id="rId5"/>
+    <p:sldId id="259" r:id="rId6"/>
+    <p:sldId id="266" r:id="rId7"/>
+    <p:sldId id="262" r:id="rId8"/>
+    <p:sldId id="260" r:id="rId9"/>
+    <p:sldId id="264" r:id="rId10"/>
+    <p:sldId id="263" r:id="rId11"/>
+    <p:sldId id="261" r:id="rId12"/>
+  </p:sldIdLst>
   <p:sldSz cx="9144000" cy="6858000" type="screen4x3"/>
   <p:notesSz cx="6858000" cy="9144000"/>
   <p:defaultTextStyle>
@@ -285,7 +298,7 @@
           <a:p>
             <a:fld id="{530820CF-B880-4189-942D-D702A7CBA730}" type="datetimeFigureOut">
               <a:rPr lang="zh-CN" altLang="en-US" smtClean="0"/>
-              <a:t>2006-9-7</a:t>
+              <a:t>2018/4/27</a:t>
             </a:fld>
             <a:endParaRPr lang="zh-CN" altLang="en-US"/>
           </a:p>
@@ -450,7 +463,7 @@
           <a:p>
             <a:fld id="{530820CF-B880-4189-942D-D702A7CBA730}" type="datetimeFigureOut">
               <a:rPr lang="zh-CN" altLang="en-US" smtClean="0"/>
-              <a:t>2006-9-7</a:t>
+              <a:t>2018/4/27</a:t>
             </a:fld>
             <a:endParaRPr lang="zh-CN" altLang="en-US"/>
           </a:p>
@@ -625,7 +638,7 @@
           <a:p>
             <a:fld id="{530820CF-B880-4189-942D-D702A7CBA730}" type="datetimeFigureOut">
               <a:rPr lang="zh-CN" altLang="en-US" smtClean="0"/>
-              <a:t>2006-9-7</a:t>
+              <a:t>2018/4/27</a:t>
             </a:fld>
             <a:endParaRPr lang="zh-CN" altLang="en-US"/>
           </a:p>
@@ -790,7 +803,7 @@
           <a:p>
             <a:fld id="{530820CF-B880-4189-942D-D702A7CBA730}" type="datetimeFigureOut">
               <a:rPr lang="zh-CN" altLang="en-US" smtClean="0"/>
-              <a:t>2006-9-7</a:t>
+              <a:t>2018/4/27</a:t>
             </a:fld>
             <a:endParaRPr lang="zh-CN" altLang="en-US"/>
           </a:p>
@@ -1031,7 +1044,7 @@
           <a:p>
             <a:fld id="{530820CF-B880-4189-942D-D702A7CBA730}" type="datetimeFigureOut">
               <a:rPr lang="zh-CN" altLang="en-US" smtClean="0"/>
-              <a:t>2006-9-7</a:t>
+              <a:t>2018/4/27</a:t>
             </a:fld>
             <a:endParaRPr lang="zh-CN" altLang="en-US"/>
           </a:p>
@@ -1314,7 +1327,7 @@
           <a:p>
             <a:fld id="{530820CF-B880-4189-942D-D702A7CBA730}" type="datetimeFigureOut">
               <a:rPr lang="zh-CN" altLang="en-US" smtClean="0"/>
-              <a:t>2006-9-7</a:t>
+              <a:t>2018/4/27</a:t>
             </a:fld>
             <a:endParaRPr lang="zh-CN" altLang="en-US"/>
           </a:p>
@@ -1731,7 +1744,7 @@
           <a:p>
             <a:fld id="{530820CF-B880-4189-942D-D702A7CBA730}" type="datetimeFigureOut">
               <a:rPr lang="zh-CN" altLang="en-US" smtClean="0"/>
-              <a:t>2006-9-7</a:t>
+              <a:t>2018/4/27</a:t>
             </a:fld>
             <a:endParaRPr lang="zh-CN" altLang="en-US"/>
           </a:p>
@@ -1844,7 +1857,7 @@
           <a:p>
             <a:fld id="{530820CF-B880-4189-942D-D702A7CBA730}" type="datetimeFigureOut">
               <a:rPr lang="zh-CN" altLang="en-US" smtClean="0"/>
-              <a:t>2006-9-7</a:t>
+              <a:t>2018/4/27</a:t>
             </a:fld>
             <a:endParaRPr lang="zh-CN" altLang="en-US"/>
           </a:p>
@@ -1934,7 +1947,7 @@
           <a:p>
             <a:fld id="{530820CF-B880-4189-942D-D702A7CBA730}" type="datetimeFigureOut">
               <a:rPr lang="zh-CN" altLang="en-US" smtClean="0"/>
-              <a:t>2006-9-7</a:t>
+              <a:t>2018/4/27</a:t>
             </a:fld>
             <a:endParaRPr lang="zh-CN" altLang="en-US"/>
           </a:p>
@@ -2206,7 +2219,7 @@
           <a:p>
             <a:fld id="{530820CF-B880-4189-942D-D702A7CBA730}" type="datetimeFigureOut">
               <a:rPr lang="zh-CN" altLang="en-US" smtClean="0"/>
-              <a:t>2006-9-7</a:t>
+              <a:t>2018/4/27</a:t>
             </a:fld>
             <a:endParaRPr lang="zh-CN" altLang="en-US"/>
           </a:p>
@@ -2454,7 +2467,7 @@
           <a:p>
             <a:fld id="{530820CF-B880-4189-942D-D702A7CBA730}" type="datetimeFigureOut">
               <a:rPr lang="zh-CN" altLang="en-US" smtClean="0"/>
-              <a:t>2006-9-7</a:t>
+              <a:t>2018/4/27</a:t>
             </a:fld>
             <a:endParaRPr lang="zh-CN" altLang="en-US"/>
           </a:p>
@@ -2662,7 +2675,7 @@
           <a:p>
             <a:fld id="{530820CF-B880-4189-942D-D702A7CBA730}" type="datetimeFigureOut">
               <a:rPr lang="zh-CN" altLang="en-US" smtClean="0"/>
-              <a:t>2006-9-7</a:t>
+              <a:t>2018/4/27</a:t>
             </a:fld>
             <a:endParaRPr lang="zh-CN" altLang="en-US"/>
           </a:p>
@@ -3013,6 +3026,1951 @@
     </p:otherStyle>
   </p:txStyles>
 </p:sldMaster>
+</file>
+
+<file path=ppt/slides/slide1.xml><?xml version="1.0" encoding="utf-8"?>
+<p:sld xmlns:a="http://schemas.openxmlformats.org/drawingml/2006/main" xmlns:r="http://schemas.openxmlformats.org/officeDocument/2006/relationships" xmlns:p="http://schemas.openxmlformats.org/presentationml/2006/main">
+  <p:cSld>
+    <p:spTree>
+      <p:nvGrpSpPr>
+        <p:cNvPr id="1" name=""/>
+        <p:cNvGrpSpPr/>
+        <p:nvPr/>
+      </p:nvGrpSpPr>
+      <p:grpSpPr>
+        <a:xfrm>
+          <a:off x="0" y="0"/>
+          <a:ext cx="0" cy="0"/>
+          <a:chOff x="0" y="0"/>
+          <a:chExt cx="0" cy="0"/>
+        </a:xfrm>
+      </p:grpSpPr>
+      <p:sp>
+        <p:nvSpPr>
+          <p:cNvPr id="2" name="标题 1"/>
+          <p:cNvSpPr>
+            <a:spLocks noGrp="1"/>
+          </p:cNvSpPr>
+          <p:nvPr>
+            <p:ph type="ctrTitle"/>
+          </p:nvPr>
+        </p:nvSpPr>
+        <p:spPr/>
+        <p:txBody>
+          <a:bodyPr/>
+          <a:lstStyle/>
+          <a:p>
+            <a:r>
+              <a:rPr lang="en-US" altLang="zh-CN" dirty="0" smtClean="0"/>
+              <a:t>Java</a:t>
+            </a:r>
+            <a:r>
+              <a:rPr lang="zh-CN" altLang="en-US" dirty="0" smtClean="0"/>
+              <a:t>类加载器总结</a:t>
+            </a:r>
+            <a:endParaRPr lang="zh-CN" altLang="en-US" dirty="0"/>
+          </a:p>
+        </p:txBody>
+      </p:sp>
+      <p:sp>
+        <p:nvSpPr>
+          <p:cNvPr id="3" name="副标题 2"/>
+          <p:cNvSpPr>
+            <a:spLocks noGrp="1"/>
+          </p:cNvSpPr>
+          <p:nvPr>
+            <p:ph type="subTitle" idx="1"/>
+          </p:nvPr>
+        </p:nvSpPr>
+        <p:spPr/>
+        <p:txBody>
+          <a:bodyPr/>
+          <a:lstStyle/>
+          <a:p>
+            <a:r>
+              <a:rPr lang="zh-CN" altLang="en-US" dirty="0" smtClean="0"/>
+              <a:t>分享人：有贝无患</a:t>
+            </a:r>
+            <a:endParaRPr lang="zh-CN" altLang="en-US" dirty="0"/>
+          </a:p>
+        </p:txBody>
+      </p:sp>
+    </p:spTree>
+    <p:extLst>
+      <p:ext uri="{BB962C8B-B14F-4D97-AF65-F5344CB8AC3E}">
+        <p14:creationId xmlns:p14="http://schemas.microsoft.com/office/powerpoint/2010/main" val="3286988863"/>
+      </p:ext>
+    </p:extLst>
+  </p:cSld>
+  <p:clrMapOvr>
+    <a:masterClrMapping/>
+  </p:clrMapOvr>
+</p:sld>
+</file>
+
+<file path=ppt/slides/slide10.xml><?xml version="1.0" encoding="utf-8"?>
+<p:sld xmlns:a="http://schemas.openxmlformats.org/drawingml/2006/main" xmlns:r="http://schemas.openxmlformats.org/officeDocument/2006/relationships" xmlns:p="http://schemas.openxmlformats.org/presentationml/2006/main">
+  <p:cSld>
+    <p:spTree>
+      <p:nvGrpSpPr>
+        <p:cNvPr id="1" name=""/>
+        <p:cNvGrpSpPr/>
+        <p:nvPr/>
+      </p:nvGrpSpPr>
+      <p:grpSpPr>
+        <a:xfrm>
+          <a:off x="0" y="0"/>
+          <a:ext cx="0" cy="0"/>
+          <a:chOff x="0" y="0"/>
+          <a:chExt cx="0" cy="0"/>
+        </a:xfrm>
+      </p:grpSpPr>
+      <p:sp>
+        <p:nvSpPr>
+          <p:cNvPr id="2" name="标题 1"/>
+          <p:cNvSpPr>
+            <a:spLocks noGrp="1"/>
+          </p:cNvSpPr>
+          <p:nvPr>
+            <p:ph type="title"/>
+          </p:nvPr>
+        </p:nvSpPr>
+        <p:spPr/>
+        <p:txBody>
+          <a:bodyPr/>
+          <a:lstStyle/>
+          <a:p>
+            <a:r>
+              <a:rPr lang="zh-CN" altLang="en-US" dirty="0"/>
+              <a:t>自定义加载器</a:t>
+            </a:r>
+          </a:p>
+        </p:txBody>
+      </p:sp>
+      <p:sp>
+        <p:nvSpPr>
+          <p:cNvPr id="3" name="内容占位符 2"/>
+          <p:cNvSpPr>
+            <a:spLocks noGrp="1"/>
+          </p:cNvSpPr>
+          <p:nvPr>
+            <p:ph idx="1"/>
+          </p:nvPr>
+        </p:nvSpPr>
+        <p:spPr/>
+        <p:txBody>
+          <a:bodyPr/>
+          <a:lstStyle/>
+          <a:p>
+            <a:endParaRPr lang="zh-CN" altLang="en-US" dirty="0"/>
+          </a:p>
+        </p:txBody>
+      </p:sp>
+    </p:spTree>
+    <p:extLst>
+      <p:ext uri="{BB962C8B-B14F-4D97-AF65-F5344CB8AC3E}">
+        <p14:creationId xmlns:p14="http://schemas.microsoft.com/office/powerpoint/2010/main" val="1774383281"/>
+      </p:ext>
+    </p:extLst>
+  </p:cSld>
+  <p:clrMapOvr>
+    <a:masterClrMapping/>
+  </p:clrMapOvr>
+</p:sld>
+</file>
+
+<file path=ppt/slides/slide11.xml><?xml version="1.0" encoding="utf-8"?>
+<p:sld xmlns:a="http://schemas.openxmlformats.org/drawingml/2006/main" xmlns:r="http://schemas.openxmlformats.org/officeDocument/2006/relationships" xmlns:p="http://schemas.openxmlformats.org/presentationml/2006/main">
+  <p:cSld>
+    <p:spTree>
+      <p:nvGrpSpPr>
+        <p:cNvPr id="1" name=""/>
+        <p:cNvGrpSpPr/>
+        <p:nvPr/>
+      </p:nvGrpSpPr>
+      <p:grpSpPr>
+        <a:xfrm>
+          <a:off x="0" y="0"/>
+          <a:ext cx="0" cy="0"/>
+          <a:chOff x="0" y="0"/>
+          <a:chExt cx="0" cy="0"/>
+        </a:xfrm>
+      </p:grpSpPr>
+      <p:sp>
+        <p:nvSpPr>
+          <p:cNvPr id="2" name="标题 1"/>
+          <p:cNvSpPr>
+            <a:spLocks noGrp="1"/>
+          </p:cNvSpPr>
+          <p:nvPr>
+            <p:ph type="title"/>
+          </p:nvPr>
+        </p:nvSpPr>
+        <p:spPr/>
+        <p:txBody>
+          <a:bodyPr/>
+          <a:lstStyle/>
+          <a:p>
+            <a:r>
+              <a:rPr lang="zh-CN" altLang="en-US" dirty="0" smtClean="0"/>
+              <a:t>线程上下文加载器</a:t>
+            </a:r>
+            <a:endParaRPr lang="zh-CN" altLang="en-US" dirty="0"/>
+          </a:p>
+        </p:txBody>
+      </p:sp>
+      <p:sp>
+        <p:nvSpPr>
+          <p:cNvPr id="3" name="内容占位符 2"/>
+          <p:cNvSpPr>
+            <a:spLocks noGrp="1"/>
+          </p:cNvSpPr>
+          <p:nvPr>
+            <p:ph idx="1"/>
+          </p:nvPr>
+        </p:nvSpPr>
+        <p:spPr/>
+        <p:txBody>
+          <a:bodyPr/>
+          <a:lstStyle/>
+          <a:p>
+            <a:endParaRPr lang="zh-CN" altLang="en-US" dirty="0"/>
+          </a:p>
+        </p:txBody>
+      </p:sp>
+    </p:spTree>
+    <p:extLst>
+      <p:ext uri="{BB962C8B-B14F-4D97-AF65-F5344CB8AC3E}">
+        <p14:creationId xmlns:p14="http://schemas.microsoft.com/office/powerpoint/2010/main" val="4122102457"/>
+      </p:ext>
+    </p:extLst>
+  </p:cSld>
+  <p:clrMapOvr>
+    <a:masterClrMapping/>
+  </p:clrMapOvr>
+</p:sld>
+</file>
+
+<file path=ppt/slides/slide2.xml><?xml version="1.0" encoding="utf-8"?>
+<p:sld xmlns:a="http://schemas.openxmlformats.org/drawingml/2006/main" xmlns:r="http://schemas.openxmlformats.org/officeDocument/2006/relationships" xmlns:p="http://schemas.openxmlformats.org/presentationml/2006/main">
+  <p:cSld>
+    <p:spTree>
+      <p:nvGrpSpPr>
+        <p:cNvPr id="1" name=""/>
+        <p:cNvGrpSpPr/>
+        <p:nvPr/>
+      </p:nvGrpSpPr>
+      <p:grpSpPr>
+        <a:xfrm>
+          <a:off x="0" y="0"/>
+          <a:ext cx="0" cy="0"/>
+          <a:chOff x="0" y="0"/>
+          <a:chExt cx="0" cy="0"/>
+        </a:xfrm>
+      </p:grpSpPr>
+      <p:sp>
+        <p:nvSpPr>
+          <p:cNvPr id="2" name="标题 1"/>
+          <p:cNvSpPr>
+            <a:spLocks noGrp="1"/>
+          </p:cNvSpPr>
+          <p:nvPr>
+            <p:ph type="title"/>
+          </p:nvPr>
+        </p:nvSpPr>
+        <p:spPr/>
+        <p:txBody>
+          <a:bodyPr/>
+          <a:lstStyle/>
+          <a:p>
+            <a:r>
+              <a:rPr lang="zh-CN" altLang="en-US" dirty="0" smtClean="0"/>
+              <a:t>内容</a:t>
+            </a:r>
+            <a:endParaRPr lang="zh-CN" altLang="en-US" dirty="0"/>
+          </a:p>
+        </p:txBody>
+      </p:sp>
+      <p:sp>
+        <p:nvSpPr>
+          <p:cNvPr id="3" name="内容占位符 2"/>
+          <p:cNvSpPr>
+            <a:spLocks noGrp="1"/>
+          </p:cNvSpPr>
+          <p:nvPr>
+            <p:ph idx="1"/>
+          </p:nvPr>
+        </p:nvSpPr>
+        <p:spPr/>
+        <p:txBody>
+          <a:bodyPr/>
+          <a:lstStyle/>
+          <a:p>
+            <a:r>
+              <a:rPr lang="zh-CN" altLang="en-US" dirty="0" smtClean="0"/>
+              <a:t>预备知识点</a:t>
+            </a:r>
+            <a:endParaRPr lang="en-US" altLang="zh-CN" dirty="0" smtClean="0"/>
+          </a:p>
+          <a:p>
+            <a:r>
+              <a:rPr lang="zh-CN" altLang="en-US" dirty="0" smtClean="0"/>
+              <a:t>三个默认加载器</a:t>
+            </a:r>
+            <a:endParaRPr lang="en-US" altLang="zh-CN" dirty="0" smtClean="0"/>
+          </a:p>
+          <a:p>
+            <a:r>
+              <a:rPr lang="zh-CN" altLang="en-US" dirty="0" smtClean="0"/>
+              <a:t>双亲委派模式</a:t>
+            </a:r>
+            <a:endParaRPr lang="en-US" altLang="zh-CN" dirty="0" smtClean="0"/>
+          </a:p>
+          <a:p>
+            <a:r>
+              <a:rPr lang="zh-CN" altLang="en-US" dirty="0" smtClean="0"/>
+              <a:t>自定义加载器</a:t>
+            </a:r>
+            <a:endParaRPr lang="en-US" altLang="zh-CN" dirty="0" smtClean="0"/>
+          </a:p>
+          <a:p>
+            <a:r>
+              <a:rPr lang="zh-CN" altLang="en-US" dirty="0" smtClean="0"/>
+              <a:t>线程上下文加载器</a:t>
+            </a:r>
+            <a:endParaRPr lang="zh-CN" altLang="en-US" dirty="0"/>
+          </a:p>
+        </p:txBody>
+      </p:sp>
+    </p:spTree>
+    <p:extLst>
+      <p:ext uri="{BB962C8B-B14F-4D97-AF65-F5344CB8AC3E}">
+        <p14:creationId xmlns:p14="http://schemas.microsoft.com/office/powerpoint/2010/main" val="3812067412"/>
+      </p:ext>
+    </p:extLst>
+  </p:cSld>
+  <p:clrMapOvr>
+    <a:masterClrMapping/>
+  </p:clrMapOvr>
+</p:sld>
+</file>
+
+<file path=ppt/slides/slide3.xml><?xml version="1.0" encoding="utf-8"?>
+<p:sld xmlns:a="http://schemas.openxmlformats.org/drawingml/2006/main" xmlns:r="http://schemas.openxmlformats.org/officeDocument/2006/relationships" xmlns:p="http://schemas.openxmlformats.org/presentationml/2006/main">
+  <p:cSld>
+    <p:spTree>
+      <p:nvGrpSpPr>
+        <p:cNvPr id="1" name=""/>
+        <p:cNvGrpSpPr/>
+        <p:nvPr/>
+      </p:nvGrpSpPr>
+      <p:grpSpPr>
+        <a:xfrm>
+          <a:off x="0" y="0"/>
+          <a:ext cx="0" cy="0"/>
+          <a:chOff x="0" y="0"/>
+          <a:chExt cx="0" cy="0"/>
+        </a:xfrm>
+      </p:grpSpPr>
+      <p:sp>
+        <p:nvSpPr>
+          <p:cNvPr id="2" name="标题 1"/>
+          <p:cNvSpPr>
+            <a:spLocks noGrp="1"/>
+          </p:cNvSpPr>
+          <p:nvPr>
+            <p:ph type="title"/>
+          </p:nvPr>
+        </p:nvSpPr>
+        <p:spPr/>
+        <p:txBody>
+          <a:bodyPr>
+            <a:normAutofit/>
+          </a:bodyPr>
+          <a:lstStyle/>
+          <a:p>
+            <a:r>
+              <a:rPr lang="zh-CN" altLang="en-US" dirty="0"/>
+              <a:t>预备知识</a:t>
+            </a:r>
+            <a:r>
+              <a:rPr lang="zh-CN" altLang="en-US" dirty="0" smtClean="0"/>
+              <a:t>点</a:t>
+            </a:r>
+            <a:endParaRPr lang="zh-CN" altLang="en-US" dirty="0"/>
+          </a:p>
+        </p:txBody>
+      </p:sp>
+      <p:sp>
+        <p:nvSpPr>
+          <p:cNvPr id="3" name="内容占位符 2"/>
+          <p:cNvSpPr>
+            <a:spLocks noGrp="1"/>
+          </p:cNvSpPr>
+          <p:nvPr>
+            <p:ph idx="1"/>
+          </p:nvPr>
+        </p:nvSpPr>
+        <p:spPr/>
+        <p:txBody>
+          <a:bodyPr>
+            <a:normAutofit fontScale="70000" lnSpcReduction="20000"/>
+          </a:bodyPr>
+          <a:lstStyle/>
+          <a:p>
+            <a:pPr marL="514350" indent="-514350">
+              <a:buFont typeface="+mj-lt"/>
+              <a:buAutoNum type="arabicPeriod"/>
+            </a:pPr>
+            <a:r>
+              <a:rPr lang="zh-CN" altLang="en-US" dirty="0" smtClean="0"/>
+              <a:t>一个类可以被不同的加载器加载到</a:t>
+            </a:r>
+            <a:r>
+              <a:rPr lang="en-US" altLang="zh-CN" dirty="0" smtClean="0"/>
+              <a:t>JVM</a:t>
+            </a:r>
+            <a:r>
+              <a:rPr lang="zh-CN" altLang="en-US" dirty="0" smtClean="0"/>
+              <a:t>中</a:t>
+            </a:r>
+            <a:endParaRPr lang="en-US" altLang="zh-CN" dirty="0" smtClean="0"/>
+          </a:p>
+          <a:p>
+            <a:pPr marL="514350" indent="-514350">
+              <a:buFont typeface="+mj-lt"/>
+              <a:buAutoNum type="arabicPeriod"/>
+            </a:pPr>
+            <a:r>
+              <a:rPr lang="zh-CN" altLang="en-US" dirty="0" smtClean="0"/>
+              <a:t>在</a:t>
+            </a:r>
+            <a:r>
+              <a:rPr lang="en-US" altLang="zh-CN" dirty="0"/>
+              <a:t>JVM</a:t>
+            </a:r>
+            <a:r>
+              <a:rPr lang="zh-CN" altLang="en-US" dirty="0"/>
+              <a:t>中，判断两个类是否相同，不仅是根据该类的</a:t>
+            </a:r>
+            <a:r>
+              <a:rPr lang="zh-CN" altLang="en-US" dirty="0">
+                <a:hlinkClick r:id="rId2"/>
+              </a:rPr>
+              <a:t>二进制名称</a:t>
+            </a:r>
+            <a:r>
+              <a:rPr lang="zh-CN" altLang="en-US" dirty="0"/>
+              <a:t>，还需要根据两个类</a:t>
+            </a:r>
+            <a:r>
+              <a:rPr lang="zh-CN" altLang="en-US" dirty="0" smtClean="0"/>
+              <a:t>的加载器。</a:t>
+            </a:r>
+            <a:endParaRPr lang="en-US" altLang="zh-CN" dirty="0" smtClean="0"/>
+          </a:p>
+          <a:p>
+            <a:pPr marL="514350" indent="-514350">
+              <a:buFont typeface="+mj-lt"/>
+              <a:buAutoNum type="arabicPeriod"/>
+            </a:pPr>
+            <a:r>
+              <a:rPr lang="zh-CN" altLang="en-US" dirty="0" smtClean="0"/>
+              <a:t>类在加载过程中可能会触发加载其他类（比如父类或父接口），类加载失败会抛</a:t>
+            </a:r>
+            <a:r>
+              <a:rPr lang="en-US" altLang="zh-CN" dirty="0" err="1" smtClean="0"/>
+              <a:t>ClassNotFoundException</a:t>
+            </a:r>
+            <a:r>
+              <a:rPr lang="zh-CN" altLang="en-US" dirty="0" smtClean="0"/>
+              <a:t>或</a:t>
+            </a:r>
+            <a:r>
+              <a:rPr lang="en-US" altLang="zh-CN" dirty="0" err="1" smtClean="0"/>
+              <a:t>NoClassDefFoundErr</a:t>
+            </a:r>
+            <a:endParaRPr lang="en-US" altLang="zh-CN" dirty="0" smtClean="0"/>
+          </a:p>
+          <a:p>
+            <a:endParaRPr lang="en-US" altLang="zh-CN" dirty="0" smtClean="0"/>
+          </a:p>
+          <a:p>
+            <a:r>
+              <a:rPr lang="en-US" altLang="zh-CN" dirty="0" err="1"/>
+              <a:t>ClassNotFoundException</a:t>
+            </a:r>
+            <a:endParaRPr lang="en-US" altLang="zh-CN" dirty="0"/>
+          </a:p>
+          <a:p>
+            <a:pPr marL="0" indent="0">
+              <a:buNone/>
+            </a:pPr>
+            <a:r>
+              <a:rPr lang="en-US" altLang="zh-CN" dirty="0"/>
+              <a:t>     </a:t>
+            </a:r>
+            <a:r>
+              <a:rPr lang="zh-CN" altLang="en-US" dirty="0"/>
+              <a:t>当应用尝试用字符串名称通过下面的方法装载一个类时这个类的定义却没有找到时会抛出的异常</a:t>
+            </a:r>
+            <a:endParaRPr lang="en-US" altLang="zh-CN" dirty="0"/>
+          </a:p>
+          <a:p>
+            <a:r>
+              <a:rPr lang="en-US" altLang="zh-CN" dirty="0" err="1"/>
+              <a:t>NoClassDefFoundErr</a:t>
+            </a:r>
+            <a:endParaRPr lang="en-US" altLang="zh-CN" dirty="0"/>
+          </a:p>
+          <a:p>
+            <a:pPr marL="0" indent="0">
+              <a:buNone/>
+            </a:pPr>
+            <a:r>
+              <a:rPr lang="en-US" altLang="zh-CN" dirty="0"/>
+              <a:t>      </a:t>
+            </a:r>
+            <a:r>
+              <a:rPr lang="zh-CN" altLang="en-US" dirty="0"/>
+              <a:t>当</a:t>
+            </a:r>
+            <a:r>
+              <a:rPr lang="en-US" altLang="zh-CN" dirty="0"/>
+              <a:t>JVM</a:t>
+            </a:r>
+            <a:r>
+              <a:rPr lang="zh-CN" altLang="en-US" dirty="0"/>
+              <a:t>或者</a:t>
+            </a:r>
+            <a:r>
+              <a:rPr lang="en-US" altLang="zh-CN" dirty="0" err="1"/>
+              <a:t>ClassLoader</a:t>
+            </a:r>
+            <a:r>
+              <a:rPr lang="zh-CN" altLang="en-US" dirty="0"/>
+              <a:t>实例尝试装载一个类的定义（这通常是一个方法调用或者</a:t>
+            </a:r>
+            <a:r>
+              <a:rPr lang="en-US" altLang="zh-CN" dirty="0"/>
+              <a:t>new</a:t>
+            </a:r>
+            <a:r>
+              <a:rPr lang="zh-CN" altLang="en-US" dirty="0"/>
+              <a:t>表达式创建一个实例过程的一部分）而这个类定义并没有找时所抛出的错误</a:t>
+            </a:r>
+            <a:endParaRPr lang="en-US" altLang="zh-CN" dirty="0"/>
+          </a:p>
+          <a:p>
+            <a:endParaRPr lang="en-US" altLang="zh-CN" dirty="0"/>
+          </a:p>
+          <a:p>
+            <a:endParaRPr lang="en-US" altLang="zh-CN" dirty="0" smtClean="0"/>
+          </a:p>
+          <a:p>
+            <a:endParaRPr lang="zh-CN" altLang="en-US" dirty="0"/>
+          </a:p>
+        </p:txBody>
+      </p:sp>
+    </p:spTree>
+    <p:extLst>
+      <p:ext uri="{BB962C8B-B14F-4D97-AF65-F5344CB8AC3E}">
+        <p14:creationId xmlns:p14="http://schemas.microsoft.com/office/powerpoint/2010/main" val="2652051581"/>
+      </p:ext>
+    </p:extLst>
+  </p:cSld>
+  <p:clrMapOvr>
+    <a:masterClrMapping/>
+  </p:clrMapOvr>
+</p:sld>
+</file>
+
+<file path=ppt/slides/slide4.xml><?xml version="1.0" encoding="utf-8"?>
+<p:sld xmlns:a="http://schemas.openxmlformats.org/drawingml/2006/main" xmlns:r="http://schemas.openxmlformats.org/officeDocument/2006/relationships" xmlns:p="http://schemas.openxmlformats.org/presentationml/2006/main">
+  <p:cSld>
+    <p:spTree>
+      <p:nvGrpSpPr>
+        <p:cNvPr id="1" name=""/>
+        <p:cNvGrpSpPr/>
+        <p:nvPr/>
+      </p:nvGrpSpPr>
+      <p:grpSpPr>
+        <a:xfrm>
+          <a:off x="0" y="0"/>
+          <a:ext cx="0" cy="0"/>
+          <a:chOff x="0" y="0"/>
+          <a:chExt cx="0" cy="0"/>
+        </a:xfrm>
+      </p:grpSpPr>
+      <p:sp>
+        <p:nvSpPr>
+          <p:cNvPr id="2" name="标题 1"/>
+          <p:cNvSpPr>
+            <a:spLocks noGrp="1"/>
+          </p:cNvSpPr>
+          <p:nvPr>
+            <p:ph type="title"/>
+          </p:nvPr>
+        </p:nvSpPr>
+        <p:spPr/>
+        <p:txBody>
+          <a:bodyPr/>
+          <a:lstStyle/>
+          <a:p>
+            <a:r>
+              <a:rPr lang="zh-CN" altLang="en-US" dirty="0" smtClean="0"/>
+              <a:t>三个默认加载器</a:t>
+            </a:r>
+            <a:endParaRPr lang="zh-CN" altLang="en-US" dirty="0"/>
+          </a:p>
+        </p:txBody>
+      </p:sp>
+      <p:sp>
+        <p:nvSpPr>
+          <p:cNvPr id="3" name="内容占位符 2"/>
+          <p:cNvSpPr>
+            <a:spLocks noGrp="1"/>
+          </p:cNvSpPr>
+          <p:nvPr>
+            <p:ph idx="1"/>
+          </p:nvPr>
+        </p:nvSpPr>
+        <p:spPr/>
+        <p:txBody>
+          <a:bodyPr>
+            <a:normAutofit fontScale="55000" lnSpcReduction="20000"/>
+          </a:bodyPr>
+          <a:lstStyle/>
+          <a:p>
+            <a:r>
+              <a:rPr lang="en-US" altLang="zh-CN" dirty="0"/>
+              <a:t>Bootstrap </a:t>
+            </a:r>
+            <a:r>
+              <a:rPr lang="en-US" altLang="zh-CN" dirty="0" err="1"/>
+              <a:t>ClassLoader</a:t>
+            </a:r>
+            <a:r>
+              <a:rPr lang="en-US" altLang="zh-CN" dirty="0"/>
+              <a:t>/</a:t>
+            </a:r>
+            <a:r>
+              <a:rPr lang="zh-CN" altLang="en-US" dirty="0"/>
+              <a:t>启动类加载器 </a:t>
+            </a:r>
+          </a:p>
+          <a:p>
+            <a:pPr marL="0" indent="0">
+              <a:buNone/>
+            </a:pPr>
+            <a:r>
+              <a:rPr lang="en-US" altLang="zh-CN" dirty="0"/>
+              <a:t> </a:t>
+            </a:r>
+            <a:r>
+              <a:rPr lang="en-US" altLang="zh-CN" dirty="0" smtClean="0"/>
+              <a:t>      </a:t>
+            </a:r>
+            <a:r>
+              <a:rPr lang="zh-CN" altLang="en-US" sz="3300" dirty="0" smtClean="0"/>
+              <a:t>主要</a:t>
+            </a:r>
+            <a:r>
+              <a:rPr lang="zh-CN" altLang="en-US" sz="3300" dirty="0"/>
+              <a:t>负责</a:t>
+            </a:r>
+            <a:r>
+              <a:rPr lang="en-US" altLang="zh-CN" sz="3300" dirty="0" err="1"/>
+              <a:t>jdk_home</a:t>
+            </a:r>
+            <a:r>
+              <a:rPr lang="en-US" altLang="zh-CN" sz="3300" dirty="0"/>
+              <a:t>/lib</a:t>
+            </a:r>
+            <a:r>
+              <a:rPr lang="zh-CN" altLang="en-US" sz="3300" dirty="0"/>
+              <a:t>目录下的核心 </a:t>
+            </a:r>
+            <a:r>
+              <a:rPr lang="en-US" altLang="zh-CN" sz="3300" dirty="0" err="1"/>
+              <a:t>api</a:t>
+            </a:r>
+            <a:r>
+              <a:rPr lang="en-US" altLang="zh-CN" sz="3300" dirty="0"/>
+              <a:t> </a:t>
+            </a:r>
+            <a:r>
+              <a:rPr lang="zh-CN" altLang="en-US" sz="3300" dirty="0"/>
+              <a:t>或 </a:t>
+            </a:r>
+            <a:r>
+              <a:rPr lang="en-US" altLang="zh-CN" sz="3300" dirty="0"/>
+              <a:t>-</a:t>
+            </a:r>
+            <a:r>
+              <a:rPr lang="en-US" altLang="zh-CN" sz="3300" dirty="0" err="1"/>
+              <a:t>Xbootclasspath</a:t>
+            </a:r>
+            <a:r>
+              <a:rPr lang="en-US" altLang="zh-CN" sz="3300" dirty="0"/>
+              <a:t> </a:t>
+            </a:r>
+            <a:r>
+              <a:rPr lang="zh-CN" altLang="en-US" sz="3300" dirty="0"/>
+              <a:t>选项指定的</a:t>
+            </a:r>
+            <a:r>
+              <a:rPr lang="en-US" altLang="zh-CN" sz="3300" dirty="0"/>
+              <a:t>jar</a:t>
+            </a:r>
+            <a:r>
+              <a:rPr lang="zh-CN" altLang="en-US" sz="3300" dirty="0"/>
+              <a:t>包装入工作</a:t>
+            </a:r>
+            <a:r>
+              <a:rPr lang="zh-CN" altLang="en-US" sz="3300" dirty="0"/>
+              <a:t>。</a:t>
+            </a:r>
+            <a:endParaRPr lang="en-US" altLang="zh-CN" sz="3300" dirty="0"/>
+          </a:p>
+          <a:p>
+            <a:pPr marL="0" indent="0">
+              <a:buNone/>
+            </a:pPr>
+            <a:endParaRPr lang="zh-CN" altLang="en-US" u="sng" dirty="0"/>
+          </a:p>
+          <a:p>
+            <a:r>
+              <a:rPr lang="en-US" altLang="zh-CN" dirty="0"/>
+              <a:t>Extension </a:t>
+            </a:r>
+            <a:r>
+              <a:rPr lang="en-US" altLang="zh-CN" dirty="0" err="1"/>
+              <a:t>ClassLoader</a:t>
+            </a:r>
+            <a:r>
+              <a:rPr lang="en-US" altLang="zh-CN" dirty="0"/>
+              <a:t>/</a:t>
+            </a:r>
+            <a:r>
+              <a:rPr lang="zh-CN" altLang="en-US" dirty="0"/>
+              <a:t>扩展类加载器 </a:t>
+            </a:r>
+          </a:p>
+          <a:p>
+            <a:pPr marL="0" indent="0">
+              <a:buNone/>
+            </a:pPr>
+            <a:r>
+              <a:rPr lang="en-US" altLang="zh-CN" dirty="0"/>
+              <a:t> </a:t>
+            </a:r>
+            <a:r>
+              <a:rPr lang="en-US" altLang="zh-CN" dirty="0" smtClean="0"/>
+              <a:t>      </a:t>
+            </a:r>
+            <a:r>
+              <a:rPr lang="zh-CN" altLang="en-US" sz="3300" dirty="0" smtClean="0"/>
+              <a:t>主要</a:t>
+            </a:r>
+            <a:r>
+              <a:rPr lang="zh-CN" altLang="en-US" sz="3300" dirty="0"/>
+              <a:t>负责</a:t>
+            </a:r>
+            <a:r>
+              <a:rPr lang="en-US" altLang="zh-CN" sz="3300" dirty="0" err="1"/>
+              <a:t>jdk_home</a:t>
+            </a:r>
+            <a:r>
+              <a:rPr lang="en-US" altLang="zh-CN" sz="3300" dirty="0"/>
+              <a:t>/lib/</a:t>
+            </a:r>
+            <a:r>
+              <a:rPr lang="en-US" altLang="zh-CN" sz="3300" dirty="0" err="1"/>
+              <a:t>ext</a:t>
+            </a:r>
+            <a:r>
+              <a:rPr lang="zh-CN" altLang="en-US" sz="3300" dirty="0"/>
+              <a:t>目录下的</a:t>
+            </a:r>
+            <a:r>
+              <a:rPr lang="en-US" altLang="zh-CN" sz="3300" dirty="0"/>
+              <a:t>jar</a:t>
+            </a:r>
+            <a:r>
+              <a:rPr lang="zh-CN" altLang="en-US" sz="3300" dirty="0"/>
+              <a:t>包或 </a:t>
+            </a:r>
+            <a:r>
+              <a:rPr lang="en-US" altLang="zh-CN" sz="3300" dirty="0"/>
+              <a:t>-</a:t>
+            </a:r>
+            <a:r>
+              <a:rPr lang="en-US" altLang="zh-CN" sz="3300" dirty="0" err="1"/>
+              <a:t>Djava.ext.dirs</a:t>
+            </a:r>
+            <a:r>
+              <a:rPr lang="en-US" altLang="zh-CN" sz="3300" dirty="0"/>
+              <a:t> </a:t>
+            </a:r>
+            <a:r>
+              <a:rPr lang="zh-CN" altLang="en-US" sz="3300" dirty="0"/>
+              <a:t>指定目录下的</a:t>
+            </a:r>
+            <a:r>
+              <a:rPr lang="en-US" altLang="zh-CN" sz="3300" dirty="0"/>
+              <a:t>jar</a:t>
+            </a:r>
+            <a:r>
+              <a:rPr lang="zh-CN" altLang="en-US" sz="3300" dirty="0"/>
+              <a:t>包装入工作</a:t>
+            </a:r>
+            <a:r>
+              <a:rPr lang="zh-CN" altLang="en-US" sz="3300" dirty="0" smtClean="0"/>
+              <a:t>。</a:t>
+            </a:r>
+            <a:endParaRPr lang="en-US" altLang="zh-CN" sz="3300" dirty="0" smtClean="0"/>
+          </a:p>
+          <a:p>
+            <a:pPr marL="0" indent="0">
+              <a:buNone/>
+            </a:pPr>
+            <a:endParaRPr lang="zh-CN" altLang="en-US" sz="3300" dirty="0"/>
+          </a:p>
+          <a:p>
+            <a:r>
+              <a:rPr lang="en-US" altLang="zh-CN" dirty="0"/>
+              <a:t>System </a:t>
+            </a:r>
+            <a:r>
+              <a:rPr lang="en-US" altLang="zh-CN" dirty="0" err="1"/>
+              <a:t>ClassLoader</a:t>
+            </a:r>
+            <a:r>
+              <a:rPr lang="en-US" altLang="zh-CN" dirty="0"/>
+              <a:t>/</a:t>
+            </a:r>
+            <a:r>
+              <a:rPr lang="zh-CN" altLang="en-US" dirty="0"/>
+              <a:t>系统类加载器 </a:t>
+            </a:r>
+          </a:p>
+          <a:p>
+            <a:pPr marL="0" indent="0">
+              <a:buNone/>
+            </a:pPr>
+            <a:r>
+              <a:rPr lang="en-US" altLang="zh-CN" sz="3300" dirty="0"/>
+              <a:t> </a:t>
+            </a:r>
+            <a:r>
+              <a:rPr lang="en-US" altLang="zh-CN" sz="3300" dirty="0" smtClean="0"/>
+              <a:t>      </a:t>
+            </a:r>
+            <a:r>
+              <a:rPr lang="zh-CN" altLang="en-US" sz="3300" dirty="0" smtClean="0"/>
+              <a:t>主要</a:t>
+            </a:r>
+            <a:r>
+              <a:rPr lang="zh-CN" altLang="en-US" sz="3300" dirty="0"/>
+              <a:t>负责</a:t>
+            </a:r>
+            <a:r>
+              <a:rPr lang="en-US" altLang="zh-CN" sz="3300" dirty="0"/>
+              <a:t>java -</a:t>
+            </a:r>
+            <a:r>
+              <a:rPr lang="en-US" altLang="zh-CN" sz="3300" dirty="0" err="1"/>
+              <a:t>classpath</a:t>
+            </a:r>
+            <a:r>
+              <a:rPr lang="en-US" altLang="zh-CN" sz="3300" dirty="0"/>
+              <a:t>/-</a:t>
+            </a:r>
+            <a:r>
+              <a:rPr lang="en-US" altLang="zh-CN" sz="3300" dirty="0" err="1"/>
+              <a:t>Djava.class.path</a:t>
+            </a:r>
+            <a:r>
+              <a:rPr lang="zh-CN" altLang="en-US" sz="3300" dirty="0"/>
+              <a:t>所指的目录下的类与</a:t>
+            </a:r>
+            <a:r>
+              <a:rPr lang="en-US" altLang="zh-CN" sz="3300" dirty="0"/>
+              <a:t>jar</a:t>
+            </a:r>
+            <a:r>
+              <a:rPr lang="zh-CN" altLang="en-US" sz="3300" dirty="0"/>
+              <a:t>包装入工作</a:t>
+            </a:r>
+            <a:r>
+              <a:rPr lang="zh-CN" altLang="en-US" sz="3300" dirty="0" smtClean="0"/>
+              <a:t>。</a:t>
+            </a:r>
+            <a:endParaRPr lang="en-US" altLang="zh-CN" sz="3300" dirty="0" smtClean="0"/>
+          </a:p>
+          <a:p>
+            <a:pPr marL="0" indent="0">
+              <a:buNone/>
+            </a:pPr>
+            <a:endParaRPr lang="zh-CN" altLang="en-US" sz="3300" dirty="0"/>
+          </a:p>
+          <a:p>
+            <a:r>
+              <a:rPr lang="en-US" altLang="zh-CN" dirty="0"/>
+              <a:t>User Custom </a:t>
+            </a:r>
+            <a:r>
+              <a:rPr lang="en-US" altLang="zh-CN" dirty="0" err="1"/>
+              <a:t>ClassLoader</a:t>
+            </a:r>
+            <a:r>
+              <a:rPr lang="en-US" altLang="zh-CN" dirty="0"/>
+              <a:t>/</a:t>
+            </a:r>
+            <a:r>
+              <a:rPr lang="zh-CN" altLang="en-US" dirty="0"/>
+              <a:t>用户自定义类加载器</a:t>
+            </a:r>
+            <a:r>
+              <a:rPr lang="en-US" altLang="zh-CN" dirty="0"/>
+              <a:t>(</a:t>
+            </a:r>
+            <a:r>
+              <a:rPr lang="en-US" altLang="zh-CN" dirty="0" err="1"/>
+              <a:t>java.lang.ClassLoader</a:t>
+            </a:r>
+            <a:r>
+              <a:rPr lang="zh-CN" altLang="en-US" dirty="0"/>
+              <a:t>的子类</a:t>
+            </a:r>
+            <a:r>
+              <a:rPr lang="en-US" altLang="zh-CN" dirty="0"/>
+              <a:t>) </a:t>
+            </a:r>
+          </a:p>
+          <a:p>
+            <a:pPr marL="0" indent="0">
+              <a:buNone/>
+            </a:pPr>
+            <a:r>
+              <a:rPr lang="en-US" altLang="zh-CN" dirty="0"/>
+              <a:t> </a:t>
+            </a:r>
+            <a:r>
+              <a:rPr lang="en-US" altLang="zh-CN" dirty="0" smtClean="0"/>
+              <a:t>     </a:t>
+            </a:r>
+            <a:r>
+              <a:rPr lang="zh-CN" altLang="en-US" dirty="0" smtClean="0"/>
+              <a:t>通过</a:t>
+            </a:r>
+            <a:r>
+              <a:rPr lang="en-US" altLang="zh-CN" dirty="0" err="1"/>
+              <a:t>java.lang.ClassLoader</a:t>
+            </a:r>
+            <a:r>
+              <a:rPr lang="zh-CN" altLang="en-US" dirty="0"/>
+              <a:t>的子</a:t>
+            </a:r>
+            <a:r>
+              <a:rPr lang="zh-CN" altLang="en-US" dirty="0" smtClean="0"/>
+              <a:t>类</a:t>
+            </a:r>
+            <a:r>
+              <a:rPr lang="zh-CN" altLang="en-US" dirty="0"/>
+              <a:t>在程序运行期间</a:t>
+            </a:r>
+            <a:r>
+              <a:rPr lang="zh-CN" altLang="en-US" dirty="0" smtClean="0"/>
+              <a:t>动态</a:t>
+            </a:r>
+            <a:r>
+              <a:rPr lang="zh-CN" altLang="en-US" dirty="0"/>
+              <a:t>加载</a:t>
+            </a:r>
+            <a:r>
+              <a:rPr lang="en-US" altLang="zh-CN" dirty="0"/>
+              <a:t>class</a:t>
+            </a:r>
+            <a:r>
+              <a:rPr lang="zh-CN" altLang="en-US" dirty="0"/>
+              <a:t>文件</a:t>
+            </a:r>
+            <a:r>
+              <a:rPr lang="en-US" altLang="zh-CN" dirty="0"/>
+              <a:t>, </a:t>
+            </a:r>
+            <a:r>
+              <a:rPr lang="zh-CN" altLang="en-US" dirty="0"/>
+              <a:t>体现</a:t>
+            </a:r>
+            <a:r>
+              <a:rPr lang="en-US" altLang="zh-CN" dirty="0"/>
+              <a:t>java</a:t>
+            </a:r>
+            <a:r>
+              <a:rPr lang="zh-CN" altLang="en-US" dirty="0"/>
+              <a:t>动态实时类装入特性</a:t>
+            </a:r>
+            <a:r>
+              <a:rPr lang="zh-CN" altLang="en-US" dirty="0" smtClean="0"/>
+              <a:t>。</a:t>
+            </a:r>
+            <a:endParaRPr lang="en-US" altLang="zh-CN" dirty="0" smtClean="0"/>
+          </a:p>
+          <a:p>
+            <a:pPr marL="0" indent="0">
+              <a:buNone/>
+            </a:pPr>
+            <a:endParaRPr lang="zh-CN" altLang="en-US" dirty="0"/>
+          </a:p>
+          <a:p>
+            <a:pPr marL="0" indent="0">
+              <a:buNone/>
+            </a:pPr>
+            <a:r>
+              <a:rPr lang="zh-CN" altLang="en-US" dirty="0" smtClean="0"/>
+              <a:t>每个</a:t>
+            </a:r>
+            <a:r>
+              <a:rPr lang="en-US" altLang="zh-CN" dirty="0" err="1"/>
+              <a:t>ClassLoader</a:t>
+            </a:r>
+            <a:r>
+              <a:rPr lang="zh-CN" altLang="en-US" dirty="0"/>
+              <a:t>都维护了一份自己的名称空间， 同一个名称空间里不能出现两个同名的类。</a:t>
+            </a:r>
+            <a:endParaRPr lang="zh-CN" altLang="en-US" dirty="0"/>
+          </a:p>
+        </p:txBody>
+      </p:sp>
+    </p:spTree>
+    <p:extLst>
+      <p:ext uri="{BB962C8B-B14F-4D97-AF65-F5344CB8AC3E}">
+        <p14:creationId xmlns:p14="http://schemas.microsoft.com/office/powerpoint/2010/main" val="1813865754"/>
+      </p:ext>
+    </p:extLst>
+  </p:cSld>
+  <p:clrMapOvr>
+    <a:masterClrMapping/>
+  </p:clrMapOvr>
+</p:sld>
+</file>
+
+<file path=ppt/slides/slide5.xml><?xml version="1.0" encoding="utf-8"?>
+<p:sld xmlns:a="http://schemas.openxmlformats.org/drawingml/2006/main" xmlns:r="http://schemas.openxmlformats.org/officeDocument/2006/relationships" xmlns:p="http://schemas.openxmlformats.org/presentationml/2006/main">
+  <p:cSld>
+    <p:spTree>
+      <p:nvGrpSpPr>
+        <p:cNvPr id="1" name=""/>
+        <p:cNvGrpSpPr/>
+        <p:nvPr/>
+      </p:nvGrpSpPr>
+      <p:grpSpPr>
+        <a:xfrm>
+          <a:off x="0" y="0"/>
+          <a:ext cx="0" cy="0"/>
+          <a:chOff x="0" y="0"/>
+          <a:chExt cx="0" cy="0"/>
+        </a:xfrm>
+      </p:grpSpPr>
+      <p:sp>
+        <p:nvSpPr>
+          <p:cNvPr id="2" name="标题 1"/>
+          <p:cNvSpPr>
+            <a:spLocks noGrp="1"/>
+          </p:cNvSpPr>
+          <p:nvPr>
+            <p:ph type="title"/>
+          </p:nvPr>
+        </p:nvSpPr>
+        <p:spPr/>
+        <p:txBody>
+          <a:bodyPr>
+            <a:normAutofit/>
+          </a:bodyPr>
+          <a:lstStyle/>
+          <a:p>
+            <a:r>
+              <a:rPr lang="zh-CN" altLang="en-US" dirty="0"/>
+              <a:t>双亲委派</a:t>
+            </a:r>
+            <a:r>
+              <a:rPr lang="zh-CN" altLang="en-US" dirty="0" smtClean="0"/>
+              <a:t>模式（一）</a:t>
+            </a:r>
+            <a:endParaRPr lang="zh-CN" altLang="en-US" dirty="0"/>
+          </a:p>
+        </p:txBody>
+      </p:sp>
+      <p:sp>
+        <p:nvSpPr>
+          <p:cNvPr id="4" name="TextBox 3"/>
+          <p:cNvSpPr txBox="1"/>
+          <p:nvPr/>
+        </p:nvSpPr>
+        <p:spPr>
+          <a:xfrm>
+            <a:off x="467544" y="2060848"/>
+            <a:ext cx="8208912" cy="2862322"/>
+          </a:xfrm>
+          <a:prstGeom prst="rect">
+            <a:avLst/>
+          </a:prstGeom>
+          <a:noFill/>
+        </p:spPr>
+        <p:txBody>
+          <a:bodyPr wrap="square" rtlCol="0">
+            <a:spAutoFit/>
+          </a:bodyPr>
+          <a:lstStyle/>
+          <a:p>
+            <a:r>
+              <a:rPr lang="zh-CN" altLang="en-US" dirty="0" smtClean="0"/>
+              <a:t>定义：</a:t>
+            </a:r>
+            <a:r>
+              <a:rPr lang="zh-CN" altLang="en-US" b="1" dirty="0" smtClean="0">
+                <a:solidFill>
+                  <a:srgbClr val="FF0000"/>
+                </a:solidFill>
+                <a:latin typeface="微软雅黑" panose="020B0503020204020204" pitchFamily="34" charset="-122"/>
+                <a:ea typeface="微软雅黑" panose="020B0503020204020204" pitchFamily="34" charset="-122"/>
+              </a:rPr>
+              <a:t>一般</a:t>
+            </a:r>
+            <a:r>
+              <a:rPr lang="zh-CN" altLang="en-US" b="1" dirty="0">
+                <a:solidFill>
+                  <a:srgbClr val="FF0000"/>
+                </a:solidFill>
+                <a:latin typeface="微软雅黑" panose="020B0503020204020204" pitchFamily="34" charset="-122"/>
+                <a:ea typeface="微软雅黑" panose="020B0503020204020204" pitchFamily="34" charset="-122"/>
+              </a:rPr>
+              <a:t>的</a:t>
+            </a:r>
+            <a:r>
+              <a:rPr lang="zh-CN" altLang="en-US" dirty="0"/>
+              <a:t>类加载器在尝试自己去加载某个</a:t>
+            </a:r>
+            <a:r>
+              <a:rPr lang="en-US" altLang="zh-CN" dirty="0"/>
+              <a:t>Java</a:t>
+            </a:r>
+            <a:r>
+              <a:rPr lang="zh-CN" altLang="en-US" dirty="0"/>
+              <a:t>类</a:t>
+            </a:r>
+            <a:r>
+              <a:rPr lang="zh-CN" altLang="en-US" dirty="0" smtClean="0"/>
+              <a:t>之前，首先</a:t>
+            </a:r>
+            <a:r>
+              <a:rPr lang="zh-CN" altLang="en-US" dirty="0"/>
+              <a:t>代理给其父类加载器</a:t>
+            </a:r>
+            <a:r>
+              <a:rPr lang="zh-CN" altLang="en-US" dirty="0" smtClean="0"/>
+              <a:t>。当</a:t>
+            </a:r>
+            <a:r>
+              <a:rPr lang="zh-CN" altLang="en-US" dirty="0"/>
+              <a:t>父类加载</a:t>
+            </a:r>
+            <a:r>
+              <a:rPr lang="zh-CN" altLang="en-US" dirty="0" smtClean="0"/>
+              <a:t>器加载不了的</a:t>
+            </a:r>
+            <a:r>
+              <a:rPr lang="zh-CN" altLang="en-US" dirty="0"/>
+              <a:t>时候，才会尝试自己加载。这个逻辑是封装</a:t>
+            </a:r>
+            <a:r>
+              <a:rPr lang="zh-CN" altLang="en-US" dirty="0" smtClean="0"/>
+              <a:t>在</a:t>
+            </a:r>
+            <a:r>
+              <a:rPr lang="en-US" altLang="zh-CN" dirty="0" err="1" smtClean="0"/>
+              <a:t>java.lang.ClassLoader</a:t>
+            </a:r>
+            <a:r>
+              <a:rPr lang="zh-CN" altLang="en-US" dirty="0"/>
+              <a:t>类的 </a:t>
+            </a:r>
+            <a:r>
+              <a:rPr lang="en-US" altLang="zh-CN" dirty="0" err="1">
+                <a:hlinkClick r:id="rId2"/>
+              </a:rPr>
+              <a:t>loadClass</a:t>
+            </a:r>
+            <a:r>
+              <a:rPr lang="en-US" altLang="zh-CN" dirty="0">
+                <a:hlinkClick r:id="rId2"/>
+              </a:rPr>
+              <a:t>()</a:t>
+            </a:r>
+            <a:r>
+              <a:rPr lang="zh-CN" altLang="en-US" dirty="0"/>
+              <a:t> 方法</a:t>
+            </a:r>
+            <a:r>
+              <a:rPr lang="zh-CN" altLang="en-US" dirty="0" smtClean="0"/>
+              <a:t>中。</a:t>
+            </a:r>
+            <a:endParaRPr lang="en-US" altLang="zh-CN" dirty="0" smtClean="0"/>
+          </a:p>
+          <a:p>
+            <a:endParaRPr lang="en-US" altLang="zh-CN" dirty="0" smtClean="0"/>
+          </a:p>
+          <a:p>
+            <a:endParaRPr lang="en-US" altLang="zh-CN" dirty="0"/>
+          </a:p>
+          <a:p>
+            <a:r>
+              <a:rPr lang="en-US" altLang="zh-CN" dirty="0" err="1"/>
+              <a:t>java.lang.ClassLoader</a:t>
+            </a:r>
+            <a:r>
+              <a:rPr lang="zh-CN" altLang="en-US" dirty="0"/>
+              <a:t>类的 </a:t>
+            </a:r>
+            <a:r>
+              <a:rPr lang="en-US" altLang="zh-CN" dirty="0" err="1">
+                <a:hlinkClick r:id="rId2"/>
+              </a:rPr>
+              <a:t>loadClass</a:t>
+            </a:r>
+            <a:r>
+              <a:rPr lang="en-US" altLang="zh-CN" dirty="0" smtClean="0">
+                <a:hlinkClick r:id="rId2"/>
+              </a:rPr>
+              <a:t>()</a:t>
+            </a:r>
+            <a:r>
+              <a:rPr lang="zh-CN" altLang="en-US" dirty="0" smtClean="0"/>
+              <a:t>逻辑</a:t>
+            </a:r>
+            <a:r>
+              <a:rPr lang="en-US" altLang="zh-CN" dirty="0" smtClean="0"/>
+              <a:t>:</a:t>
+            </a:r>
+          </a:p>
+          <a:p>
+            <a:r>
+              <a:rPr lang="en-US" altLang="zh-CN" dirty="0"/>
+              <a:t> </a:t>
+            </a:r>
+            <a:r>
+              <a:rPr lang="en-US" altLang="zh-CN" dirty="0" smtClean="0"/>
+              <a:t>        </a:t>
+            </a:r>
+            <a:r>
+              <a:rPr lang="zh-CN" altLang="en-US" dirty="0" smtClean="0"/>
+              <a:t>先</a:t>
+            </a:r>
+            <a:r>
+              <a:rPr lang="zh-CN" altLang="en-US" dirty="0"/>
+              <a:t>检查是否已经被加载过，若没有加载则调用父类加载器的</a:t>
+            </a:r>
+            <a:r>
+              <a:rPr lang="en-US" altLang="zh-CN" dirty="0" err="1"/>
+              <a:t>loadClass</a:t>
+            </a:r>
+            <a:r>
+              <a:rPr lang="en-US" altLang="zh-CN" dirty="0"/>
+              <a:t>()</a:t>
+            </a:r>
+            <a:r>
+              <a:rPr lang="zh-CN" altLang="en-US" dirty="0"/>
+              <a:t>方法，若父加载器为空则默认使用启动类加载器作为父加载器。如果父加载失败，则抛出</a:t>
+            </a:r>
+            <a:r>
+              <a:rPr lang="en-US" altLang="zh-CN" dirty="0" err="1"/>
+              <a:t>ClassNotFoundException</a:t>
+            </a:r>
+            <a:r>
+              <a:rPr lang="zh-CN" altLang="en-US" dirty="0"/>
+              <a:t>异常后，再调用自己的</a:t>
+            </a:r>
+            <a:r>
+              <a:rPr lang="en-US" altLang="zh-CN" dirty="0" err="1"/>
+              <a:t>findClass</a:t>
+            </a:r>
+            <a:r>
+              <a:rPr lang="en-US" altLang="zh-CN" dirty="0"/>
+              <a:t>()</a:t>
+            </a:r>
+            <a:r>
+              <a:rPr lang="zh-CN" altLang="en-US" dirty="0"/>
+              <a:t>方法进行加载。</a:t>
+            </a:r>
+            <a:endParaRPr lang="en-US" altLang="zh-CN" dirty="0" smtClean="0"/>
+          </a:p>
+          <a:p>
+            <a:endParaRPr lang="zh-CN" altLang="en-US" dirty="0"/>
+          </a:p>
+        </p:txBody>
+      </p:sp>
+    </p:spTree>
+    <p:extLst>
+      <p:ext uri="{BB962C8B-B14F-4D97-AF65-F5344CB8AC3E}">
+        <p14:creationId xmlns:p14="http://schemas.microsoft.com/office/powerpoint/2010/main" val="2306235072"/>
+      </p:ext>
+    </p:extLst>
+  </p:cSld>
+  <p:clrMapOvr>
+    <a:masterClrMapping/>
+  </p:clrMapOvr>
+</p:sld>
+</file>
+
+<file path=ppt/slides/slide6.xml><?xml version="1.0" encoding="utf-8"?>
+<p:sld xmlns:a="http://schemas.openxmlformats.org/drawingml/2006/main" xmlns:r="http://schemas.openxmlformats.org/officeDocument/2006/relationships" xmlns:p="http://schemas.openxmlformats.org/presentationml/2006/main">
+  <p:cSld>
+    <p:spTree>
+      <p:nvGrpSpPr>
+        <p:cNvPr id="1" name=""/>
+        <p:cNvGrpSpPr/>
+        <p:nvPr/>
+      </p:nvGrpSpPr>
+      <p:grpSpPr>
+        <a:xfrm>
+          <a:off x="0" y="0"/>
+          <a:ext cx="0" cy="0"/>
+          <a:chOff x="0" y="0"/>
+          <a:chExt cx="0" cy="0"/>
+        </a:xfrm>
+      </p:grpSpPr>
+      <p:sp>
+        <p:nvSpPr>
+          <p:cNvPr id="2" name="标题 1"/>
+          <p:cNvSpPr>
+            <a:spLocks noGrp="1"/>
+          </p:cNvSpPr>
+          <p:nvPr>
+            <p:ph type="title"/>
+          </p:nvPr>
+        </p:nvSpPr>
+        <p:spPr/>
+        <p:txBody>
+          <a:bodyPr/>
+          <a:lstStyle/>
+          <a:p>
+            <a:r>
+              <a:rPr lang="zh-CN" altLang="en-US" dirty="0"/>
+              <a:t>双亲委派</a:t>
+            </a:r>
+            <a:r>
+              <a:rPr lang="zh-CN" altLang="en-US" dirty="0" smtClean="0"/>
+              <a:t>模式</a:t>
+            </a:r>
+            <a:r>
+              <a:rPr lang="en-US" altLang="zh-CN" dirty="0" smtClean="0"/>
+              <a:t>(</a:t>
+            </a:r>
+            <a:r>
+              <a:rPr lang="zh-CN" altLang="en-US" dirty="0" smtClean="0"/>
+              <a:t>二</a:t>
+            </a:r>
+            <a:r>
+              <a:rPr lang="en-US" altLang="zh-CN" dirty="0" smtClean="0"/>
+              <a:t>)</a:t>
+            </a:r>
+            <a:endParaRPr lang="zh-CN" altLang="en-US" dirty="0"/>
+          </a:p>
+        </p:txBody>
+      </p:sp>
+      <p:pic>
+        <p:nvPicPr>
+          <p:cNvPr id="4" name="Picture 2" descr="C:\Users\fan79\Desktop\image001.jpg"/>
+          <p:cNvPicPr>
+            <a:picLocks noGrp="1" noChangeAspect="1" noChangeArrowheads="1"/>
+          </p:cNvPicPr>
+          <p:nvPr>
+            <p:ph idx="1"/>
+          </p:nvPr>
+        </p:nvPicPr>
+        <p:blipFill>
+          <a:blip r:embed="rId2">
+            <a:extLst>
+              <a:ext uri="{28A0092B-C50C-407E-A947-70E740481C1C}">
+                <a14:useLocalDpi xmlns:a14="http://schemas.microsoft.com/office/drawing/2010/main" val="0"/>
+              </a:ext>
+            </a:extLst>
+          </a:blip>
+          <a:srcRect/>
+          <a:stretch>
+            <a:fillRect/>
+          </a:stretch>
+        </p:blipFill>
+        <p:spPr bwMode="auto">
+          <a:xfrm>
+            <a:off x="1885950" y="1739106"/>
+            <a:ext cx="5372100" cy="4248150"/>
+          </a:xfrm>
+          <a:prstGeom prst="rect">
+            <a:avLst/>
+          </a:prstGeom>
+          <a:noFill/>
+          <a:extLst>
+            <a:ext uri="{909E8E84-426E-40DD-AFC4-6F175D3DCCD1}">
+              <a14:hiddenFill xmlns:a14="http://schemas.microsoft.com/office/drawing/2010/main">
+                <a:solidFill>
+                  <a:srgbClr val="FFFFFF"/>
+                </a:solidFill>
+              </a14:hiddenFill>
+            </a:ext>
+          </a:extLst>
+        </p:spPr>
+      </p:pic>
+    </p:spTree>
+    <p:extLst>
+      <p:ext uri="{BB962C8B-B14F-4D97-AF65-F5344CB8AC3E}">
+        <p14:creationId xmlns:p14="http://schemas.microsoft.com/office/powerpoint/2010/main" val="3752337517"/>
+      </p:ext>
+    </p:extLst>
+  </p:cSld>
+  <p:clrMapOvr>
+    <a:masterClrMapping/>
+  </p:clrMapOvr>
+</p:sld>
+</file>
+
+<file path=ppt/slides/slide7.xml><?xml version="1.0" encoding="utf-8"?>
+<p:sld xmlns:a="http://schemas.openxmlformats.org/drawingml/2006/main" xmlns:r="http://schemas.openxmlformats.org/officeDocument/2006/relationships" xmlns:p="http://schemas.openxmlformats.org/presentationml/2006/main">
+  <p:cSld>
+    <p:spTree>
+      <p:nvGrpSpPr>
+        <p:cNvPr id="1" name=""/>
+        <p:cNvGrpSpPr/>
+        <p:nvPr/>
+      </p:nvGrpSpPr>
+      <p:grpSpPr>
+        <a:xfrm>
+          <a:off x="0" y="0"/>
+          <a:ext cx="0" cy="0"/>
+          <a:chOff x="0" y="0"/>
+          <a:chExt cx="0" cy="0"/>
+        </a:xfrm>
+      </p:grpSpPr>
+      <p:sp>
+        <p:nvSpPr>
+          <p:cNvPr id="2" name="标题 1"/>
+          <p:cNvSpPr>
+            <a:spLocks noGrp="1"/>
+          </p:cNvSpPr>
+          <p:nvPr>
+            <p:ph type="title"/>
+          </p:nvPr>
+        </p:nvSpPr>
+        <p:spPr/>
+        <p:txBody>
+          <a:bodyPr/>
+          <a:lstStyle/>
+          <a:p>
+            <a:r>
+              <a:rPr lang="zh-CN" altLang="en-US" dirty="0"/>
+              <a:t>双亲委派</a:t>
+            </a:r>
+            <a:r>
+              <a:rPr lang="zh-CN" altLang="en-US" dirty="0" smtClean="0"/>
+              <a:t>模式（三）</a:t>
+            </a:r>
+            <a:endParaRPr lang="zh-CN" altLang="en-US" dirty="0"/>
+          </a:p>
+        </p:txBody>
+      </p:sp>
+      <p:sp>
+        <p:nvSpPr>
+          <p:cNvPr id="3" name="内容占位符 2"/>
+          <p:cNvSpPr>
+            <a:spLocks noGrp="1"/>
+          </p:cNvSpPr>
+          <p:nvPr>
+            <p:ph idx="1"/>
+          </p:nvPr>
+        </p:nvSpPr>
+        <p:spPr/>
+        <p:txBody>
+          <a:bodyPr/>
+          <a:lstStyle/>
+          <a:p>
+            <a:pPr marL="0" indent="0">
+              <a:buNone/>
+            </a:pPr>
+            <a:r>
+              <a:rPr lang="zh-CN" altLang="en-US" b="1" dirty="0" smtClean="0">
+                <a:latin typeface="微软雅黑" panose="020B0503020204020204" pitchFamily="34" charset="-122"/>
+                <a:ea typeface="微软雅黑" panose="020B0503020204020204" pitchFamily="34" charset="-122"/>
+              </a:rPr>
+              <a:t>特性：</a:t>
+            </a:r>
+            <a:endParaRPr lang="en-US" altLang="zh-CN" b="1" dirty="0" smtClean="0">
+              <a:latin typeface="微软雅黑" panose="020B0503020204020204" pitchFamily="34" charset="-122"/>
+              <a:ea typeface="微软雅黑" panose="020B0503020204020204" pitchFamily="34" charset="-122"/>
+            </a:endParaRPr>
+          </a:p>
+          <a:p>
+            <a:pPr marL="514350" indent="-514350">
+              <a:buFont typeface="+mj-lt"/>
+              <a:buAutoNum type="arabicPeriod"/>
+            </a:pPr>
+            <a:r>
+              <a:rPr lang="zh-CN" altLang="en-US" dirty="0" smtClean="0"/>
+              <a:t>父加载器不是子加载器的父类</a:t>
+            </a:r>
+            <a:endParaRPr lang="en-US" altLang="zh-CN" dirty="0" smtClean="0"/>
+          </a:p>
+          <a:p>
+            <a:pPr marL="514350" indent="-514350">
+              <a:buFont typeface="+mj-lt"/>
+              <a:buAutoNum type="arabicPeriod"/>
+            </a:pPr>
+            <a:r>
+              <a:rPr lang="zh-CN" altLang="en-US" dirty="0" smtClean="0"/>
+              <a:t>类的加载器是最终加载该类的加载器</a:t>
+            </a:r>
+            <a:endParaRPr lang="en-US" altLang="zh-CN" dirty="0" smtClean="0"/>
+          </a:p>
+          <a:p>
+            <a:pPr marL="514350" indent="-514350">
+              <a:buFont typeface="+mj-lt"/>
+              <a:buAutoNum type="arabicPeriod"/>
+            </a:pPr>
+            <a:r>
+              <a:rPr lang="zh-CN" altLang="en-US" dirty="0" smtClean="0"/>
+              <a:t>确保了一个类在只被加载一次</a:t>
+            </a:r>
+            <a:endParaRPr lang="en-US" altLang="zh-CN" dirty="0" smtClean="0"/>
+          </a:p>
+          <a:p>
+            <a:pPr marL="514350" indent="-514350">
+              <a:buFont typeface="+mj-lt"/>
+              <a:buAutoNum type="arabicPeriod"/>
+            </a:pPr>
+            <a:r>
+              <a:rPr lang="zh-CN" altLang="en-US" dirty="0" smtClean="0"/>
+              <a:t>父类加载器加载的类对子类</a:t>
+            </a:r>
+            <a:r>
+              <a:rPr lang="zh-CN" altLang="en-US" dirty="0"/>
+              <a:t>加载器</a:t>
+            </a:r>
+            <a:r>
+              <a:rPr lang="zh-CN" altLang="en-US" dirty="0" smtClean="0"/>
+              <a:t>及其后代类</a:t>
+            </a:r>
+            <a:r>
+              <a:rPr lang="zh-CN" altLang="en-US" dirty="0"/>
+              <a:t>加载</a:t>
+            </a:r>
+            <a:r>
+              <a:rPr lang="zh-CN" altLang="en-US" dirty="0" smtClean="0"/>
+              <a:t>器均可见；没有父子关系或后代关系的类加载器加载的类互相不可见</a:t>
+            </a:r>
+            <a:endParaRPr lang="zh-CN" altLang="en-US" dirty="0"/>
+          </a:p>
+        </p:txBody>
+      </p:sp>
+    </p:spTree>
+    <p:extLst>
+      <p:ext uri="{BB962C8B-B14F-4D97-AF65-F5344CB8AC3E}">
+        <p14:creationId xmlns:p14="http://schemas.microsoft.com/office/powerpoint/2010/main" val="2907922482"/>
+      </p:ext>
+    </p:extLst>
+  </p:cSld>
+  <p:clrMapOvr>
+    <a:masterClrMapping/>
+  </p:clrMapOvr>
+</p:sld>
+</file>
+
+<file path=ppt/slides/slide8.xml><?xml version="1.0" encoding="utf-8"?>
+<p:sld xmlns:a="http://schemas.openxmlformats.org/drawingml/2006/main" xmlns:r="http://schemas.openxmlformats.org/officeDocument/2006/relationships" xmlns:p="http://schemas.openxmlformats.org/presentationml/2006/main">
+  <p:cSld>
+    <p:spTree>
+      <p:nvGrpSpPr>
+        <p:cNvPr id="1" name=""/>
+        <p:cNvGrpSpPr/>
+        <p:nvPr/>
+      </p:nvGrpSpPr>
+      <p:grpSpPr>
+        <a:xfrm>
+          <a:off x="0" y="0"/>
+          <a:ext cx="0" cy="0"/>
+          <a:chOff x="0" y="0"/>
+          <a:chExt cx="0" cy="0"/>
+        </a:xfrm>
+      </p:grpSpPr>
+      <p:sp>
+        <p:nvSpPr>
+          <p:cNvPr id="2" name="标题 1"/>
+          <p:cNvSpPr>
+            <a:spLocks noGrp="1"/>
+          </p:cNvSpPr>
+          <p:nvPr>
+            <p:ph type="title"/>
+          </p:nvPr>
+        </p:nvSpPr>
+        <p:spPr/>
+        <p:txBody>
+          <a:bodyPr>
+            <a:normAutofit/>
+          </a:bodyPr>
+          <a:lstStyle/>
+          <a:p>
+            <a:r>
+              <a:rPr lang="zh-CN" altLang="en-US" dirty="0"/>
+              <a:t>自定义加载</a:t>
+            </a:r>
+            <a:r>
+              <a:rPr lang="zh-CN" altLang="en-US" dirty="0" smtClean="0"/>
+              <a:t>器</a:t>
+            </a:r>
+            <a:endParaRPr lang="zh-CN" altLang="en-US" dirty="0"/>
+          </a:p>
+        </p:txBody>
+      </p:sp>
+      <p:sp>
+        <p:nvSpPr>
+          <p:cNvPr id="3" name="内容占位符 2"/>
+          <p:cNvSpPr>
+            <a:spLocks noGrp="1"/>
+          </p:cNvSpPr>
+          <p:nvPr>
+            <p:ph idx="1"/>
+          </p:nvPr>
+        </p:nvSpPr>
+        <p:spPr/>
+        <p:txBody>
+          <a:bodyPr>
+            <a:normAutofit fontScale="92500" lnSpcReduction="20000"/>
+          </a:bodyPr>
+          <a:lstStyle/>
+          <a:p>
+            <a:pPr latinLnBrk="1"/>
+            <a:r>
+              <a:rPr lang="en-US" altLang="zh-CN" dirty="0" err="1">
+                <a:hlinkClick r:id="rId2"/>
+              </a:rPr>
+              <a:t>defineClass</a:t>
+            </a:r>
+            <a:r>
+              <a:rPr lang="en-US" altLang="zh-CN" dirty="0">
+                <a:hlinkClick r:id="rId2"/>
+              </a:rPr>
+              <a:t>()</a:t>
+            </a:r>
+            <a:r>
+              <a:rPr lang="zh-CN" altLang="en-US" dirty="0"/>
+              <a:t>：这个方法用来完成从</a:t>
+            </a:r>
+            <a:r>
+              <a:rPr lang="en-US" altLang="zh-CN" dirty="0"/>
+              <a:t>Java</a:t>
+            </a:r>
+            <a:r>
+              <a:rPr lang="zh-CN" altLang="en-US" dirty="0"/>
+              <a:t>字节代码的字节数组到</a:t>
+            </a:r>
+            <a:r>
+              <a:rPr lang="en-US" altLang="zh-CN" dirty="0" err="1"/>
+              <a:t>java.lang.Class</a:t>
+            </a:r>
+            <a:r>
+              <a:rPr lang="zh-CN" altLang="en-US" dirty="0"/>
+              <a:t>的转换。这个方法是不能被覆写的，一般是用原生代码来实现的。</a:t>
+            </a:r>
+          </a:p>
+          <a:p>
+            <a:pPr latinLnBrk="1"/>
+            <a:r>
+              <a:rPr lang="en-US" altLang="zh-CN" dirty="0" err="1">
+                <a:hlinkClick r:id="rId3"/>
+              </a:rPr>
+              <a:t>findLoadedClass</a:t>
+            </a:r>
+            <a:r>
+              <a:rPr lang="en-US" altLang="zh-CN" dirty="0">
+                <a:hlinkClick r:id="rId3"/>
+              </a:rPr>
+              <a:t>()</a:t>
+            </a:r>
+            <a:r>
+              <a:rPr lang="zh-CN" altLang="en-US" dirty="0"/>
+              <a:t>：这个方法用来根据名称查找已经加载过的</a:t>
+            </a:r>
+            <a:r>
+              <a:rPr lang="en-US" altLang="zh-CN" dirty="0"/>
+              <a:t>Java</a:t>
+            </a:r>
+            <a:r>
+              <a:rPr lang="zh-CN" altLang="en-US" dirty="0"/>
+              <a:t>类。一个类加载器不会重复加载同一名称的类。</a:t>
+            </a:r>
+          </a:p>
+          <a:p>
+            <a:pPr latinLnBrk="1"/>
+            <a:r>
+              <a:rPr lang="en-US" altLang="zh-CN" dirty="0" err="1">
+                <a:hlinkClick r:id="rId4"/>
+              </a:rPr>
+              <a:t>findClass</a:t>
+            </a:r>
+            <a:r>
+              <a:rPr lang="en-US" altLang="zh-CN" dirty="0">
+                <a:hlinkClick r:id="rId4"/>
+              </a:rPr>
+              <a:t>()</a:t>
+            </a:r>
+            <a:r>
+              <a:rPr lang="zh-CN" altLang="en-US" dirty="0"/>
+              <a:t>：这个方法用来根据名称查找并加载</a:t>
+            </a:r>
+            <a:r>
+              <a:rPr lang="en-US" altLang="zh-CN" dirty="0"/>
+              <a:t>Java</a:t>
+            </a:r>
+            <a:r>
+              <a:rPr lang="zh-CN" altLang="en-US" dirty="0"/>
+              <a:t>类。</a:t>
+            </a:r>
+          </a:p>
+          <a:p>
+            <a:pPr latinLnBrk="1"/>
+            <a:r>
+              <a:rPr lang="en-US" altLang="zh-CN" dirty="0" err="1">
+                <a:hlinkClick r:id="rId5"/>
+              </a:rPr>
+              <a:t>loadClass</a:t>
+            </a:r>
+            <a:r>
+              <a:rPr lang="en-US" altLang="zh-CN" dirty="0">
+                <a:hlinkClick r:id="rId5"/>
+              </a:rPr>
+              <a:t>()</a:t>
+            </a:r>
+            <a:r>
+              <a:rPr lang="zh-CN" altLang="en-US" dirty="0"/>
+              <a:t>：这个方法用来根据名称加载</a:t>
+            </a:r>
+            <a:r>
+              <a:rPr lang="en-US" altLang="zh-CN" dirty="0"/>
+              <a:t>Java</a:t>
+            </a:r>
+            <a:r>
+              <a:rPr lang="zh-CN" altLang="en-US" dirty="0"/>
+              <a:t>类。</a:t>
+            </a:r>
+          </a:p>
+          <a:p>
+            <a:pPr latinLnBrk="1"/>
+            <a:r>
+              <a:rPr lang="en-US" altLang="zh-CN" dirty="0" err="1">
+                <a:hlinkClick r:id="rId6"/>
+              </a:rPr>
+              <a:t>resolveClass</a:t>
+            </a:r>
+            <a:r>
+              <a:rPr lang="en-US" altLang="zh-CN" dirty="0">
+                <a:hlinkClick r:id="rId6"/>
+              </a:rPr>
+              <a:t>()</a:t>
+            </a:r>
+            <a:r>
+              <a:rPr lang="zh-CN" altLang="en-US" dirty="0"/>
+              <a:t>：这个方法用来链接一个</a:t>
+            </a:r>
+            <a:r>
+              <a:rPr lang="en-US" altLang="zh-CN" dirty="0"/>
+              <a:t>Java</a:t>
+            </a:r>
+            <a:r>
+              <a:rPr lang="zh-CN" altLang="en-US" dirty="0"/>
+              <a:t>类。</a:t>
+            </a:r>
+          </a:p>
+          <a:p>
+            <a:endParaRPr lang="zh-CN" altLang="en-US" dirty="0"/>
+          </a:p>
+        </p:txBody>
+      </p:sp>
+    </p:spTree>
+    <p:extLst>
+      <p:ext uri="{BB962C8B-B14F-4D97-AF65-F5344CB8AC3E}">
+        <p14:creationId xmlns:p14="http://schemas.microsoft.com/office/powerpoint/2010/main" val="1162787103"/>
+      </p:ext>
+    </p:extLst>
+  </p:cSld>
+  <p:clrMapOvr>
+    <a:masterClrMapping/>
+  </p:clrMapOvr>
+</p:sld>
+</file>
+
+<file path=ppt/slides/slide9.xml><?xml version="1.0" encoding="utf-8"?>
+<p:sld xmlns:a="http://schemas.openxmlformats.org/drawingml/2006/main" xmlns:r="http://schemas.openxmlformats.org/officeDocument/2006/relationships" xmlns:p="http://schemas.openxmlformats.org/presentationml/2006/main">
+  <p:cSld>
+    <p:spTree>
+      <p:nvGrpSpPr>
+        <p:cNvPr id="1" name=""/>
+        <p:cNvGrpSpPr/>
+        <p:nvPr/>
+      </p:nvGrpSpPr>
+      <p:grpSpPr>
+        <a:xfrm>
+          <a:off x="0" y="0"/>
+          <a:ext cx="0" cy="0"/>
+          <a:chOff x="0" y="0"/>
+          <a:chExt cx="0" cy="0"/>
+        </a:xfrm>
+      </p:grpSpPr>
+      <p:sp>
+        <p:nvSpPr>
+          <p:cNvPr id="2" name="标题 1"/>
+          <p:cNvSpPr>
+            <a:spLocks noGrp="1"/>
+          </p:cNvSpPr>
+          <p:nvPr>
+            <p:ph type="title"/>
+          </p:nvPr>
+        </p:nvSpPr>
+        <p:spPr/>
+        <p:txBody>
+          <a:bodyPr/>
+          <a:lstStyle/>
+          <a:p>
+            <a:r>
+              <a:rPr lang="zh-CN" altLang="en-US" dirty="0"/>
+              <a:t>自定义加载器</a:t>
+            </a:r>
+          </a:p>
+        </p:txBody>
+      </p:sp>
+      <p:sp>
+        <p:nvSpPr>
+          <p:cNvPr id="3" name="内容占位符 2"/>
+          <p:cNvSpPr>
+            <a:spLocks noGrp="1"/>
+          </p:cNvSpPr>
+          <p:nvPr>
+            <p:ph idx="1"/>
+          </p:nvPr>
+        </p:nvSpPr>
+        <p:spPr/>
+        <p:txBody>
+          <a:bodyPr/>
+          <a:lstStyle/>
+          <a:p>
+            <a:pPr marL="514350" indent="-514350">
+              <a:buFont typeface="+mj-lt"/>
+              <a:buAutoNum type="arabicPeriod"/>
+            </a:pPr>
+            <a:r>
+              <a:rPr lang="zh-CN" altLang="en-US" dirty="0" smtClean="0"/>
+              <a:t>继承</a:t>
+            </a:r>
+            <a:r>
+              <a:rPr lang="en-US" altLang="zh-CN" dirty="0" err="1" smtClean="0"/>
+              <a:t>java.lang.ClassLoader</a:t>
+            </a:r>
+            <a:r>
+              <a:rPr lang="zh-CN" altLang="en-US" dirty="0" smtClean="0"/>
+              <a:t>，</a:t>
+            </a:r>
+            <a:endParaRPr lang="en-US" altLang="zh-CN" dirty="0" smtClean="0"/>
+          </a:p>
+          <a:p>
+            <a:pPr marL="514350" indent="-514350">
+              <a:buFont typeface="+mj-lt"/>
+              <a:buAutoNum type="arabicPeriod"/>
+            </a:pPr>
+            <a:r>
+              <a:rPr lang="zh-CN" altLang="en-US" dirty="0" smtClean="0"/>
+              <a:t>覆盖</a:t>
+            </a:r>
+            <a:r>
+              <a:rPr lang="en-US" altLang="zh-CN" dirty="0" err="1" smtClean="0"/>
+              <a:t>findClass</a:t>
+            </a:r>
+            <a:r>
+              <a:rPr lang="zh-CN" altLang="en-US" dirty="0" smtClean="0"/>
+              <a:t>方法</a:t>
+            </a:r>
+            <a:endParaRPr lang="en-US" altLang="zh-CN" dirty="0" smtClean="0"/>
+          </a:p>
+          <a:p>
+            <a:pPr marL="514350" indent="-514350">
+              <a:buFont typeface="+mj-lt"/>
+              <a:buAutoNum type="arabicPeriod"/>
+            </a:pPr>
+            <a:r>
+              <a:rPr lang="zh-CN" altLang="en-US" dirty="0" smtClean="0"/>
+              <a:t>通过构造方法指定父类加载器，若省略此步，则默认父类加载器为系统类加载器</a:t>
+            </a:r>
+            <a:endParaRPr lang="en-US" altLang="zh-CN" dirty="0" smtClean="0"/>
+          </a:p>
+          <a:p>
+            <a:pPr marL="514350" indent="-514350">
+              <a:buFont typeface="+mj-lt"/>
+              <a:buAutoNum type="arabicPeriod"/>
+            </a:pPr>
+            <a:endParaRPr lang="en-US" altLang="zh-CN" dirty="0" smtClean="0"/>
+          </a:p>
+          <a:p>
+            <a:pPr marL="0" indent="0">
+              <a:buNone/>
+            </a:pPr>
+            <a:r>
+              <a:rPr lang="zh-CN" altLang="en-US" dirty="0" smtClean="0"/>
+              <a:t>若要破坏双亲委派模式，则覆盖</a:t>
+            </a:r>
+            <a:r>
+              <a:rPr lang="en-US" altLang="zh-CN" dirty="0" err="1"/>
+              <a:t>loadClass</a:t>
+            </a:r>
+            <a:r>
+              <a:rPr lang="en-US" altLang="zh-CN" dirty="0"/>
+              <a:t>(String name, </a:t>
+            </a:r>
+            <a:r>
+              <a:rPr lang="en-US" altLang="zh-CN" b="1" dirty="0" err="1"/>
+              <a:t>boolean</a:t>
+            </a:r>
+            <a:r>
+              <a:rPr lang="en-US" altLang="zh-CN" b="1" dirty="0"/>
+              <a:t> resolve</a:t>
+            </a:r>
+            <a:r>
+              <a:rPr lang="en-US" altLang="zh-CN" b="1" dirty="0" smtClean="0"/>
+              <a:t>) </a:t>
+            </a:r>
+            <a:r>
+              <a:rPr lang="zh-CN" altLang="en-US" b="1" dirty="0" smtClean="0"/>
+              <a:t>方法（一般不推荐破坏双亲委派）</a:t>
+            </a:r>
+            <a:endParaRPr lang="en-US" altLang="zh-CN" dirty="0" smtClean="0"/>
+          </a:p>
+          <a:p>
+            <a:pPr marL="0" indent="0">
+              <a:buNone/>
+            </a:pPr>
+            <a:endParaRPr lang="zh-CN" altLang="en-US" dirty="0"/>
+          </a:p>
+        </p:txBody>
+      </p:sp>
+    </p:spTree>
+    <p:extLst>
+      <p:ext uri="{BB962C8B-B14F-4D97-AF65-F5344CB8AC3E}">
+        <p14:creationId xmlns:p14="http://schemas.microsoft.com/office/powerpoint/2010/main" val="723635024"/>
+      </p:ext>
+    </p:extLst>
+  </p:cSld>
+  <p:clrMapOvr>
+    <a:masterClrMapping/>
+  </p:clrMapOvr>
+</p:sld>
 </file>
 
 <file path=ppt/theme/theme1.xml><?xml version="1.0" encoding="utf-8"?>

--- a/classLoader/类加载总结.pptx
+++ b/classLoader/类加载总结.pptx
@@ -8,14 +8,15 @@
     <p:sldId id="256" r:id="rId2"/>
     <p:sldId id="257" r:id="rId3"/>
     <p:sldId id="265" r:id="rId4"/>
-    <p:sldId id="258" r:id="rId5"/>
-    <p:sldId id="259" r:id="rId6"/>
-    <p:sldId id="266" r:id="rId7"/>
-    <p:sldId id="262" r:id="rId8"/>
-    <p:sldId id="260" r:id="rId9"/>
+    <p:sldId id="269" r:id="rId5"/>
+    <p:sldId id="258" r:id="rId6"/>
+    <p:sldId id="259" r:id="rId7"/>
+    <p:sldId id="266" r:id="rId8"/>
+    <p:sldId id="262" r:id="rId9"/>
     <p:sldId id="264" r:id="rId10"/>
-    <p:sldId id="263" r:id="rId11"/>
-    <p:sldId id="261" r:id="rId12"/>
+    <p:sldId id="261" r:id="rId11"/>
+    <p:sldId id="267" r:id="rId12"/>
+    <p:sldId id="268" r:id="rId13"/>
   </p:sldIdLst>
   <p:sldSz cx="9144000" cy="6858000" type="screen4x3"/>
   <p:notesSz cx="6858000" cy="9144000"/>
@@ -298,7 +299,7 @@
           <a:p>
             <a:fld id="{530820CF-B880-4189-942D-D702A7CBA730}" type="datetimeFigureOut">
               <a:rPr lang="zh-CN" altLang="en-US" smtClean="0"/>
-              <a:t>2018/4/27</a:t>
+              <a:t>2018/4/28</a:t>
             </a:fld>
             <a:endParaRPr lang="zh-CN" altLang="en-US"/>
           </a:p>
@@ -463,7 +464,7 @@
           <a:p>
             <a:fld id="{530820CF-B880-4189-942D-D702A7CBA730}" type="datetimeFigureOut">
               <a:rPr lang="zh-CN" altLang="en-US" smtClean="0"/>
-              <a:t>2018/4/27</a:t>
+              <a:t>2018/4/28</a:t>
             </a:fld>
             <a:endParaRPr lang="zh-CN" altLang="en-US"/>
           </a:p>
@@ -638,7 +639,7 @@
           <a:p>
             <a:fld id="{530820CF-B880-4189-942D-D702A7CBA730}" type="datetimeFigureOut">
               <a:rPr lang="zh-CN" altLang="en-US" smtClean="0"/>
-              <a:t>2018/4/27</a:t>
+              <a:t>2018/4/28</a:t>
             </a:fld>
             <a:endParaRPr lang="zh-CN" altLang="en-US"/>
           </a:p>
@@ -803,7 +804,7 @@
           <a:p>
             <a:fld id="{530820CF-B880-4189-942D-D702A7CBA730}" type="datetimeFigureOut">
               <a:rPr lang="zh-CN" altLang="en-US" smtClean="0"/>
-              <a:t>2018/4/27</a:t>
+              <a:t>2018/4/28</a:t>
             </a:fld>
             <a:endParaRPr lang="zh-CN" altLang="en-US"/>
           </a:p>
@@ -1044,7 +1045,7 @@
           <a:p>
             <a:fld id="{530820CF-B880-4189-942D-D702A7CBA730}" type="datetimeFigureOut">
               <a:rPr lang="zh-CN" altLang="en-US" smtClean="0"/>
-              <a:t>2018/4/27</a:t>
+              <a:t>2018/4/28</a:t>
             </a:fld>
             <a:endParaRPr lang="zh-CN" altLang="en-US"/>
           </a:p>
@@ -1327,7 +1328,7 @@
           <a:p>
             <a:fld id="{530820CF-B880-4189-942D-D702A7CBA730}" type="datetimeFigureOut">
               <a:rPr lang="zh-CN" altLang="en-US" smtClean="0"/>
-              <a:t>2018/4/27</a:t>
+              <a:t>2018/4/28</a:t>
             </a:fld>
             <a:endParaRPr lang="zh-CN" altLang="en-US"/>
           </a:p>
@@ -1744,7 +1745,7 @@
           <a:p>
             <a:fld id="{530820CF-B880-4189-942D-D702A7CBA730}" type="datetimeFigureOut">
               <a:rPr lang="zh-CN" altLang="en-US" smtClean="0"/>
-              <a:t>2018/4/27</a:t>
+              <a:t>2018/4/28</a:t>
             </a:fld>
             <a:endParaRPr lang="zh-CN" altLang="en-US"/>
           </a:p>
@@ -1857,7 +1858,7 @@
           <a:p>
             <a:fld id="{530820CF-B880-4189-942D-D702A7CBA730}" type="datetimeFigureOut">
               <a:rPr lang="zh-CN" altLang="en-US" smtClean="0"/>
-              <a:t>2018/4/27</a:t>
+              <a:t>2018/4/28</a:t>
             </a:fld>
             <a:endParaRPr lang="zh-CN" altLang="en-US"/>
           </a:p>
@@ -1947,7 +1948,7 @@
           <a:p>
             <a:fld id="{530820CF-B880-4189-942D-D702A7CBA730}" type="datetimeFigureOut">
               <a:rPr lang="zh-CN" altLang="en-US" smtClean="0"/>
-              <a:t>2018/4/27</a:t>
+              <a:t>2018/4/28</a:t>
             </a:fld>
             <a:endParaRPr lang="zh-CN" altLang="en-US"/>
           </a:p>
@@ -2219,7 +2220,7 @@
           <a:p>
             <a:fld id="{530820CF-B880-4189-942D-D702A7CBA730}" type="datetimeFigureOut">
               <a:rPr lang="zh-CN" altLang="en-US" smtClean="0"/>
-              <a:t>2018/4/27</a:t>
+              <a:t>2018/4/28</a:t>
             </a:fld>
             <a:endParaRPr lang="zh-CN" altLang="en-US"/>
           </a:p>
@@ -2467,7 +2468,7 @@
           <a:p>
             <a:fld id="{530820CF-B880-4189-942D-D702A7CBA730}" type="datetimeFigureOut">
               <a:rPr lang="zh-CN" altLang="en-US" smtClean="0"/>
-              <a:t>2018/4/27</a:t>
+              <a:t>2018/4/28</a:t>
             </a:fld>
             <a:endParaRPr lang="zh-CN" altLang="en-US"/>
           </a:p>
@@ -2675,7 +2676,7 @@
           <a:p>
             <a:fld id="{530820CF-B880-4189-942D-D702A7CBA730}" type="datetimeFigureOut">
               <a:rPr lang="zh-CN" altLang="en-US" smtClean="0"/>
-              <a:t>2018/4/27</a:t>
+              <a:t>2018/4/28</a:t>
             </a:fld>
             <a:endParaRPr lang="zh-CN" altLang="en-US"/>
           </a:p>
@@ -3141,26 +3142,141 @@
           <a:lstStyle/>
           <a:p>
             <a:r>
+              <a:rPr lang="zh-CN" altLang="en-US" dirty="0" smtClean="0"/>
+              <a:t>线程上下文加载器</a:t>
+            </a:r>
+            <a:r>
+              <a:rPr lang="en-US" altLang="zh-CN" dirty="0" smtClean="0"/>
+              <a:t>(</a:t>
+            </a:r>
+            <a:r>
+              <a:rPr lang="zh-CN" altLang="en-US" dirty="0" smtClean="0"/>
+              <a:t>一</a:t>
+            </a:r>
+            <a:r>
+              <a:rPr lang="en-US" altLang="zh-CN" dirty="0" smtClean="0"/>
+              <a:t>)</a:t>
+            </a:r>
+            <a:endParaRPr lang="zh-CN" altLang="en-US" dirty="0"/>
+          </a:p>
+        </p:txBody>
+      </p:sp>
+      <p:sp>
+        <p:nvSpPr>
+          <p:cNvPr id="3" name="内容占位符 2"/>
+          <p:cNvSpPr>
+            <a:spLocks noGrp="1"/>
+          </p:cNvSpPr>
+          <p:nvPr>
+            <p:ph idx="1"/>
+          </p:nvPr>
+        </p:nvSpPr>
+        <p:spPr/>
+        <p:txBody>
+          <a:bodyPr/>
+          <a:lstStyle/>
+          <a:p>
+            <a:pPr marL="514350" indent="-514350">
+              <a:buFont typeface="+mj-lt"/>
+              <a:buAutoNum type="arabicPeriod"/>
+            </a:pPr>
+            <a:r>
+              <a:rPr lang="zh-CN" altLang="en-US" dirty="0" smtClean="0"/>
+              <a:t>每个线程都有线程上下文加载器</a:t>
+            </a:r>
+            <a:endParaRPr lang="en-US" altLang="zh-CN" dirty="0" smtClean="0"/>
+          </a:p>
+          <a:p>
+            <a:pPr marL="514350" indent="-514350">
+              <a:buFont typeface="+mj-lt"/>
+              <a:buAutoNum type="arabicPeriod"/>
+            </a:pPr>
+            <a:r>
+              <a:rPr lang="zh-CN" altLang="en-US" dirty="0" smtClean="0"/>
+              <a:t>线程上下文加载器可</a:t>
+            </a:r>
+            <a:r>
               <a:rPr lang="zh-CN" altLang="en-US" dirty="0"/>
-              <a:t>自定义加载器</a:t>
-            </a:r>
-          </a:p>
-        </p:txBody>
-      </p:sp>
-      <p:sp>
-        <p:nvSpPr>
-          <p:cNvPr id="3" name="内容占位符 2"/>
-          <p:cNvSpPr>
-            <a:spLocks noGrp="1"/>
-          </p:cNvSpPr>
-          <p:nvPr>
-            <p:ph idx="1"/>
-          </p:nvPr>
-        </p:nvSpPr>
-        <p:spPr/>
-        <p:txBody>
-          <a:bodyPr/>
-          <a:lstStyle/>
+              <a:t>通过 </a:t>
+            </a:r>
+            <a:r>
+              <a:rPr lang="en-US" altLang="zh-CN" dirty="0" err="1"/>
+              <a:t>setContextClassLoader</a:t>
+            </a:r>
+            <a:r>
+              <a:rPr lang="en-US" altLang="zh-CN" dirty="0"/>
+              <a:t>(</a:t>
+            </a:r>
+            <a:r>
+              <a:rPr lang="en-US" altLang="zh-CN" dirty="0" err="1"/>
+              <a:t>ClassLoader</a:t>
+            </a:r>
+            <a:r>
+              <a:rPr lang="en-US" altLang="zh-CN" dirty="0"/>
+              <a:t> cl)</a:t>
+            </a:r>
+            <a:r>
+              <a:rPr lang="zh-CN" altLang="en-US" dirty="0"/>
+              <a:t>方法进行</a:t>
+            </a:r>
+            <a:r>
+              <a:rPr lang="zh-CN" altLang="en-US" dirty="0" smtClean="0"/>
+              <a:t>设置</a:t>
+            </a:r>
+            <a:endParaRPr lang="en-US" altLang="zh-CN" dirty="0" smtClean="0"/>
+          </a:p>
+          <a:p>
+            <a:pPr marL="514350" indent="-514350">
+              <a:buFont typeface="+mj-lt"/>
+              <a:buAutoNum type="arabicPeriod"/>
+            </a:pPr>
+            <a:r>
+              <a:rPr lang="zh-CN" altLang="en-US" dirty="0"/>
+              <a:t>子</a:t>
+            </a:r>
+            <a:r>
+              <a:rPr lang="zh-CN" altLang="en-US" dirty="0" smtClean="0"/>
+              <a:t>线程默认继承父线程的线程上下文加载器</a:t>
+            </a:r>
+            <a:endParaRPr lang="en-US" altLang="zh-CN" dirty="0" smtClean="0"/>
+          </a:p>
+          <a:p>
+            <a:pPr marL="514350" indent="-514350">
+              <a:buFont typeface="+mj-lt"/>
+              <a:buAutoNum type="arabicPeriod"/>
+            </a:pPr>
+            <a:r>
+              <a:rPr lang="en-US" altLang="zh-CN" dirty="0"/>
+              <a:t>Java </a:t>
+            </a:r>
+            <a:r>
+              <a:rPr lang="zh-CN" altLang="en-US" dirty="0"/>
+              <a:t>应用运行</a:t>
+            </a:r>
+            <a:r>
+              <a:rPr lang="zh-CN" altLang="en-US" dirty="0" smtClean="0"/>
+              <a:t>的默认线程</a:t>
+            </a:r>
+            <a:r>
+              <a:rPr lang="zh-CN" altLang="en-US" dirty="0"/>
+              <a:t>的上下文类加载器是系统类加载器</a:t>
+            </a:r>
+            <a:r>
+              <a:rPr lang="en-US" altLang="zh-CN" dirty="0"/>
+              <a:t>(</a:t>
+            </a:r>
+            <a:r>
+              <a:rPr lang="en-US" altLang="zh-CN" dirty="0" err="1"/>
+              <a:t>AppClassLoader</a:t>
+            </a:r>
+            <a:r>
+              <a:rPr lang="en-US" altLang="zh-CN" dirty="0"/>
+              <a:t>)</a:t>
+            </a:r>
+          </a:p>
+          <a:p>
+            <a:endParaRPr lang="en-US" altLang="zh-CN" dirty="0" smtClean="0"/>
+          </a:p>
           <a:p>
             <a:endParaRPr lang="zh-CN" altLang="en-US" dirty="0"/>
           </a:p>
@@ -3169,7 +3285,7 @@
     </p:spTree>
     <p:extLst>
       <p:ext uri="{BB962C8B-B14F-4D97-AF65-F5344CB8AC3E}">
-        <p14:creationId xmlns:p14="http://schemas.microsoft.com/office/powerpoint/2010/main" val="1774383281"/>
+        <p14:creationId xmlns:p14="http://schemas.microsoft.com/office/powerpoint/2010/main" val="4122102457"/>
       </p:ext>
     </p:extLst>
   </p:cSld>
@@ -3212,8 +3328,12 @@
           <a:lstStyle/>
           <a:p>
             <a:r>
-              <a:rPr lang="zh-CN" altLang="en-US" dirty="0" smtClean="0"/>
-              <a:t>线程上下文加载器</a:t>
+              <a:rPr lang="zh-CN" altLang="en-US" dirty="0"/>
+              <a:t>线程上下文加载</a:t>
+            </a:r>
+            <a:r>
+              <a:rPr lang="zh-CN" altLang="en-US" dirty="0" smtClean="0"/>
+              <a:t>器（二）</a:t>
             </a:r>
             <a:endParaRPr lang="zh-CN" altLang="en-US" dirty="0"/>
           </a:p>
@@ -3234,6 +3354,61 @@
           <a:bodyPr/>
           <a:lstStyle/>
           <a:p>
+            <a:pPr marL="0" indent="0">
+              <a:buNone/>
+            </a:pPr>
+            <a:r>
+              <a:rPr lang="zh-CN" altLang="en-US" dirty="0" smtClean="0"/>
+              <a:t>使用案例：</a:t>
+            </a:r>
+            <a:endParaRPr lang="en-US" altLang="zh-CN" dirty="0" smtClean="0"/>
+          </a:p>
+          <a:p>
+            <a:pPr marL="0" indent="0">
+              <a:buNone/>
+            </a:pPr>
+            <a:r>
+              <a:rPr lang="en-US" altLang="zh-CN" dirty="0"/>
+              <a:t>	</a:t>
+            </a:r>
+            <a:r>
+              <a:rPr lang="en-US" altLang="zh-CN" dirty="0" smtClean="0"/>
+              <a:t>1. </a:t>
+            </a:r>
+            <a:r>
+              <a:rPr lang="en-US" altLang="zh-CN" dirty="0" err="1" smtClean="0"/>
+              <a:t>webapp</a:t>
+            </a:r>
+            <a:r>
+              <a:rPr lang="zh-CN" altLang="en-US" dirty="0" smtClean="0"/>
+              <a:t>程序来避免同名不同代码类的冲突</a:t>
+            </a:r>
+            <a:endParaRPr lang="en-US" altLang="zh-CN" dirty="0" smtClean="0"/>
+          </a:p>
+          <a:p>
+            <a:pPr marL="0" indent="0">
+              <a:buNone/>
+            </a:pPr>
+            <a:r>
+              <a:rPr lang="en-US" altLang="zh-CN" dirty="0"/>
+              <a:t>	</a:t>
+            </a:r>
+            <a:r>
+              <a:rPr lang="en-US" altLang="zh-CN" dirty="0" smtClean="0"/>
+              <a:t>2.Java</a:t>
+            </a:r>
+            <a:r>
+              <a:rPr lang="zh-CN" altLang="en-US" dirty="0" smtClean="0"/>
+              <a:t>的</a:t>
+            </a:r>
+            <a:r>
+              <a:rPr lang="en-US" altLang="zh-CN" dirty="0" smtClean="0"/>
+              <a:t>SPI</a:t>
+            </a:r>
+            <a:r>
+              <a:rPr lang="zh-CN" altLang="en-US" dirty="0" smtClean="0"/>
+              <a:t>机制使用线程上线文加载器加载实现类</a:t>
+            </a:r>
             <a:endParaRPr lang="zh-CN" altLang="en-US" dirty="0"/>
           </a:p>
         </p:txBody>
@@ -3241,7 +3416,65 @@
     </p:spTree>
     <p:extLst>
       <p:ext uri="{BB962C8B-B14F-4D97-AF65-F5344CB8AC3E}">
-        <p14:creationId xmlns:p14="http://schemas.microsoft.com/office/powerpoint/2010/main" val="4122102457"/>
+        <p14:creationId xmlns:p14="http://schemas.microsoft.com/office/powerpoint/2010/main" val="4231399611"/>
+      </p:ext>
+    </p:extLst>
+  </p:cSld>
+  <p:clrMapOvr>
+    <a:masterClrMapping/>
+  </p:clrMapOvr>
+</p:sld>
+</file>
+
+<file path=ppt/slides/slide12.xml><?xml version="1.0" encoding="utf-8"?>
+<p:sld xmlns:a="http://schemas.openxmlformats.org/drawingml/2006/main" xmlns:r="http://schemas.openxmlformats.org/officeDocument/2006/relationships" xmlns:p="http://schemas.openxmlformats.org/presentationml/2006/main">
+  <p:cSld>
+    <p:spTree>
+      <p:nvGrpSpPr>
+        <p:cNvPr id="1" name=""/>
+        <p:cNvGrpSpPr/>
+        <p:nvPr/>
+      </p:nvGrpSpPr>
+      <p:grpSpPr>
+        <a:xfrm>
+          <a:off x="0" y="0"/>
+          <a:ext cx="0" cy="0"/>
+          <a:chOff x="0" y="0"/>
+          <a:chExt cx="0" cy="0"/>
+        </a:xfrm>
+      </p:grpSpPr>
+      <p:sp>
+        <p:nvSpPr>
+          <p:cNvPr id="2" name="标题 1"/>
+          <p:cNvSpPr>
+            <a:spLocks noGrp="1"/>
+          </p:cNvSpPr>
+          <p:nvPr>
+            <p:ph type="title"/>
+          </p:nvPr>
+        </p:nvSpPr>
+        <p:spPr>
+          <a:xfrm>
+            <a:off x="611560" y="2996952"/>
+            <a:ext cx="8229600" cy="1143000"/>
+          </a:xfrm>
+        </p:spPr>
+        <p:txBody>
+          <a:bodyPr/>
+          <a:lstStyle/>
+          <a:p>
+            <a:r>
+              <a:rPr lang="zh-CN" altLang="en-US" dirty="0" smtClean="0"/>
+              <a:t>谢谢！</a:t>
+            </a:r>
+            <a:endParaRPr lang="zh-CN" altLang="en-US" dirty="0"/>
+          </a:p>
+        </p:txBody>
+      </p:sp>
+    </p:spTree>
+    <p:extLst>
+      <p:ext uri="{BB962C8B-B14F-4D97-AF65-F5344CB8AC3E}">
+        <p14:creationId xmlns:p14="http://schemas.microsoft.com/office/powerpoint/2010/main" val="2446687907"/>
       </p:ext>
     </p:extLst>
   </p:cSld>
@@ -3395,7 +3628,7 @@
             </a:r>
             <a:r>
               <a:rPr lang="zh-CN" altLang="en-US" dirty="0" smtClean="0"/>
-              <a:t>点</a:t>
+              <a:t>点（一）</a:t>
             </a:r>
             <a:endParaRPr lang="zh-CN" altLang="en-US" dirty="0"/>
           </a:p>
@@ -3475,8 +3708,34 @@
               <a:buAutoNum type="arabicPeriod"/>
             </a:pPr>
             <a:r>
-              <a:rPr lang="zh-CN" altLang="en-US" dirty="0" smtClean="0"/>
-              <a:t>类在加载过程中可能会触发加载其他类（比如父类或父接口），类加载失败会抛</a:t>
+              <a:rPr lang="zh-CN" altLang="en-US" dirty="0"/>
+              <a:t>一</a:t>
+            </a:r>
+            <a:r>
+              <a:rPr lang="zh-CN" altLang="en-US" dirty="0" smtClean="0"/>
+              <a:t>个类在运行时使用到时候才加载，用不到的类不会加载</a:t>
+            </a:r>
+            <a:endParaRPr lang="en-US" altLang="zh-CN" dirty="0" smtClean="0"/>
+          </a:p>
+          <a:p>
+            <a:pPr marL="514350" indent="-514350">
+              <a:buFont typeface="+mj-lt"/>
+              <a:buAutoNum type="arabicPeriod"/>
+            </a:pPr>
+            <a:r>
+              <a:rPr lang="zh-CN" altLang="en-US" dirty="0" smtClean="0"/>
+              <a:t>类在加载过程中可能会触发加载其他类（比如父类或父接口）</a:t>
+            </a:r>
+            <a:endParaRPr lang="en-US" altLang="zh-CN" dirty="0" smtClean="0"/>
+          </a:p>
+          <a:p>
+            <a:pPr marL="514350" indent="-514350">
+              <a:buFont typeface="+mj-lt"/>
+              <a:buAutoNum type="arabicPeriod"/>
+            </a:pPr>
+            <a:r>
+              <a:rPr lang="zh-CN" altLang="en-US" dirty="0" smtClean="0"/>
+              <a:t>类加载失败会抛</a:t>
             </a:r>
             <a:r>
               <a:rPr lang="en-US" altLang="zh-CN" dirty="0" err="1" smtClean="0"/>
@@ -3582,6 +3841,13 @@
   <p:clrMapOvr>
     <a:masterClrMapping/>
   </p:clrMapOvr>
+  <p:timing>
+    <p:tnLst>
+      <p:par>
+        <p:cTn id="1" dur="indefinite" restart="never" nodeType="tmRoot"/>
+      </p:par>
+    </p:tnLst>
+  </p:timing>
 </p:sld>
 </file>
 
@@ -3618,8 +3884,12 @@
           <a:lstStyle/>
           <a:p>
             <a:r>
-              <a:rPr lang="zh-CN" altLang="en-US" dirty="0" smtClean="0"/>
-              <a:t>三个默认加载器</a:t>
+              <a:rPr lang="zh-CN" altLang="en-US" dirty="0"/>
+              <a:t>预备知识点</a:t>
+            </a:r>
+            <a:r>
+              <a:rPr lang="zh-CN" altLang="en-US" dirty="0" smtClean="0"/>
+              <a:t>（二）</a:t>
             </a:r>
             <a:endParaRPr lang="zh-CN" altLang="en-US" dirty="0"/>
           </a:p>
@@ -3637,387 +3907,93 @@
         </p:nvSpPr>
         <p:spPr/>
         <p:txBody>
-          <a:bodyPr>
-            <a:normAutofit fontScale="55000" lnSpcReduction="20000"/>
-          </a:bodyPr>
-          <a:lstStyle/>
-          <a:p>
-            <a:r>
-              <a:rPr lang="en-US" altLang="zh-CN" dirty="0"/>
-              <a:t>Bootstrap </a:t>
-            </a:r>
-            <a:r>
-              <a:rPr lang="en-US" altLang="zh-CN" dirty="0" err="1"/>
-              <a:t>ClassLoader</a:t>
-            </a:r>
-            <a:r>
-              <a:rPr lang="en-US" altLang="zh-CN" dirty="0"/>
-              <a:t>/</a:t>
-            </a:r>
-            <a:r>
-              <a:rPr lang="zh-CN" altLang="en-US" dirty="0"/>
-              <a:t>启动类加载器 </a:t>
-            </a:r>
-          </a:p>
+          <a:bodyPr/>
+          <a:lstStyle/>
           <a:p>
             <a:pPr marL="0" indent="0">
               <a:buNone/>
             </a:pPr>
             <a:r>
-              <a:rPr lang="en-US" altLang="zh-CN" dirty="0"/>
-              <a:t> </a:t>
-            </a:r>
-            <a:r>
-              <a:rPr lang="en-US" altLang="zh-CN" dirty="0" smtClean="0"/>
-              <a:t>      </a:t>
-            </a:r>
-            <a:r>
-              <a:rPr lang="zh-CN" altLang="en-US" sz="3300" dirty="0" smtClean="0"/>
-              <a:t>主要</a:t>
-            </a:r>
-            <a:r>
-              <a:rPr lang="zh-CN" altLang="en-US" sz="3300" dirty="0"/>
-              <a:t>负责</a:t>
-            </a:r>
-            <a:r>
-              <a:rPr lang="en-US" altLang="zh-CN" sz="3300" dirty="0" err="1"/>
-              <a:t>jdk_home</a:t>
-            </a:r>
-            <a:r>
-              <a:rPr lang="en-US" altLang="zh-CN" sz="3300" dirty="0"/>
-              <a:t>/lib</a:t>
-            </a:r>
-            <a:r>
-              <a:rPr lang="zh-CN" altLang="en-US" sz="3300" dirty="0"/>
-              <a:t>目录下的核心 </a:t>
-            </a:r>
-            <a:r>
-              <a:rPr lang="en-US" altLang="zh-CN" sz="3300" dirty="0" err="1"/>
-              <a:t>api</a:t>
-            </a:r>
-            <a:r>
-              <a:rPr lang="en-US" altLang="zh-CN" sz="3300" dirty="0"/>
-              <a:t> </a:t>
-            </a:r>
-            <a:r>
-              <a:rPr lang="zh-CN" altLang="en-US" sz="3300" dirty="0"/>
-              <a:t>或 </a:t>
-            </a:r>
-            <a:r>
-              <a:rPr lang="en-US" altLang="zh-CN" sz="3300" dirty="0"/>
-              <a:t>-</a:t>
-            </a:r>
-            <a:r>
-              <a:rPr lang="en-US" altLang="zh-CN" sz="3300" dirty="0" err="1"/>
-              <a:t>Xbootclasspath</a:t>
-            </a:r>
-            <a:r>
-              <a:rPr lang="en-US" altLang="zh-CN" sz="3300" dirty="0"/>
-              <a:t> </a:t>
-            </a:r>
-            <a:r>
-              <a:rPr lang="zh-CN" altLang="en-US" sz="3300" dirty="0"/>
-              <a:t>选项指定的</a:t>
-            </a:r>
-            <a:r>
-              <a:rPr lang="en-US" altLang="zh-CN" sz="3300" dirty="0"/>
-              <a:t>jar</a:t>
-            </a:r>
-            <a:r>
-              <a:rPr lang="zh-CN" altLang="en-US" sz="3300" dirty="0"/>
-              <a:t>包装入工作</a:t>
-            </a:r>
-            <a:r>
-              <a:rPr lang="zh-CN" altLang="en-US" sz="3300" dirty="0"/>
-              <a:t>。</a:t>
-            </a:r>
-            <a:endParaRPr lang="en-US" altLang="zh-CN" sz="3300" dirty="0"/>
+              <a:rPr lang="zh-CN" altLang="en-US" sz="2800" dirty="0" smtClean="0"/>
+              <a:t>如何查看已加载的类</a:t>
+            </a:r>
+            <a:endParaRPr lang="en-US" altLang="zh-CN" sz="2800" dirty="0" smtClean="0"/>
           </a:p>
           <a:p>
             <a:pPr marL="0" indent="0">
               <a:buNone/>
             </a:pPr>
-            <a:endParaRPr lang="zh-CN" altLang="en-US" u="sng" dirty="0"/>
-          </a:p>
-          <a:p>
-            <a:r>
-              <a:rPr lang="en-US" altLang="zh-CN" dirty="0"/>
-              <a:t>Extension </a:t>
-            </a:r>
-            <a:r>
-              <a:rPr lang="en-US" altLang="zh-CN" dirty="0" err="1"/>
-              <a:t>ClassLoader</a:t>
-            </a:r>
-            <a:r>
-              <a:rPr lang="en-US" altLang="zh-CN" dirty="0"/>
-              <a:t>/</a:t>
-            </a:r>
-            <a:r>
-              <a:rPr lang="zh-CN" altLang="en-US" dirty="0"/>
-              <a:t>扩展类加载器 </a:t>
-            </a:r>
+            <a:r>
+              <a:rPr lang="zh-CN" altLang="en-US" sz="2800" dirty="0" smtClean="0"/>
+              <a:t>方法一：添加</a:t>
+            </a:r>
+            <a:r>
+              <a:rPr lang="en-US" altLang="zh-CN" sz="2800" dirty="0" err="1"/>
+              <a:t>jvm</a:t>
+            </a:r>
+            <a:r>
+              <a:rPr lang="zh-CN" altLang="en-US" sz="2800" dirty="0" smtClean="0"/>
+              <a:t>参数</a:t>
+            </a:r>
+            <a:r>
+              <a:rPr lang="en-US" altLang="zh-CN" sz="2800" dirty="0" smtClean="0"/>
+              <a:t>:-</a:t>
+            </a:r>
+            <a:r>
+              <a:rPr lang="en-US" altLang="zh-CN" sz="2800" dirty="0"/>
+              <a:t>XX:+</a:t>
+            </a:r>
+            <a:r>
+              <a:rPr lang="en-US" altLang="zh-CN" sz="2800" dirty="0" err="1" smtClean="0"/>
+              <a:t>TraceClassLoading</a:t>
+            </a:r>
+            <a:endParaRPr lang="en-US" altLang="zh-CN" sz="2800" dirty="0" smtClean="0"/>
           </a:p>
           <a:p>
             <a:pPr marL="0" indent="0">
               <a:buNone/>
             </a:pPr>
             <a:r>
-              <a:rPr lang="en-US" altLang="zh-CN" dirty="0"/>
-              <a:t> </a:t>
-            </a:r>
-            <a:r>
-              <a:rPr lang="en-US" altLang="zh-CN" dirty="0" smtClean="0"/>
-              <a:t>      </a:t>
-            </a:r>
-            <a:r>
-              <a:rPr lang="zh-CN" altLang="en-US" sz="3300" dirty="0" smtClean="0"/>
-              <a:t>主要</a:t>
-            </a:r>
-            <a:r>
-              <a:rPr lang="zh-CN" altLang="en-US" sz="3300" dirty="0"/>
-              <a:t>负责</a:t>
-            </a:r>
-            <a:r>
-              <a:rPr lang="en-US" altLang="zh-CN" sz="3300" dirty="0" err="1"/>
-              <a:t>jdk_home</a:t>
-            </a:r>
-            <a:r>
-              <a:rPr lang="en-US" altLang="zh-CN" sz="3300" dirty="0"/>
-              <a:t>/lib/</a:t>
-            </a:r>
-            <a:r>
-              <a:rPr lang="en-US" altLang="zh-CN" sz="3300" dirty="0" err="1"/>
-              <a:t>ext</a:t>
-            </a:r>
-            <a:r>
-              <a:rPr lang="zh-CN" altLang="en-US" sz="3300" dirty="0"/>
-              <a:t>目录下的</a:t>
-            </a:r>
-            <a:r>
-              <a:rPr lang="en-US" altLang="zh-CN" sz="3300" dirty="0"/>
-              <a:t>jar</a:t>
-            </a:r>
-            <a:r>
-              <a:rPr lang="zh-CN" altLang="en-US" sz="3300" dirty="0"/>
-              <a:t>包或 </a:t>
-            </a:r>
-            <a:r>
-              <a:rPr lang="en-US" altLang="zh-CN" sz="3300" dirty="0"/>
-              <a:t>-</a:t>
-            </a:r>
-            <a:r>
-              <a:rPr lang="en-US" altLang="zh-CN" sz="3300" dirty="0" err="1"/>
-              <a:t>Djava.ext.dirs</a:t>
-            </a:r>
-            <a:r>
-              <a:rPr lang="en-US" altLang="zh-CN" sz="3300" dirty="0"/>
-              <a:t> </a:t>
-            </a:r>
-            <a:r>
-              <a:rPr lang="zh-CN" altLang="en-US" sz="3300" dirty="0"/>
-              <a:t>指定目录下的</a:t>
-            </a:r>
-            <a:r>
-              <a:rPr lang="en-US" altLang="zh-CN" sz="3300" dirty="0"/>
-              <a:t>jar</a:t>
-            </a:r>
-            <a:r>
-              <a:rPr lang="zh-CN" altLang="en-US" sz="3300" dirty="0"/>
-              <a:t>包装入工作</a:t>
-            </a:r>
-            <a:r>
-              <a:rPr lang="zh-CN" altLang="en-US" sz="3300" dirty="0" smtClean="0"/>
-              <a:t>。</a:t>
-            </a:r>
-            <a:endParaRPr lang="en-US" altLang="zh-CN" sz="3300" dirty="0" smtClean="0"/>
-          </a:p>
-          <a:p>
-            <a:pPr marL="0" indent="0">
-              <a:buNone/>
-            </a:pPr>
-            <a:endParaRPr lang="zh-CN" altLang="en-US" sz="3300" dirty="0"/>
-          </a:p>
-          <a:p>
-            <a:r>
-              <a:rPr lang="en-US" altLang="zh-CN" dirty="0"/>
-              <a:t>System </a:t>
-            </a:r>
-            <a:r>
-              <a:rPr lang="en-US" altLang="zh-CN" dirty="0" err="1"/>
-              <a:t>ClassLoader</a:t>
-            </a:r>
-            <a:r>
-              <a:rPr lang="en-US" altLang="zh-CN" dirty="0"/>
-              <a:t>/</a:t>
-            </a:r>
-            <a:r>
-              <a:rPr lang="zh-CN" altLang="en-US" dirty="0"/>
-              <a:t>系统类加载器 </a:t>
-            </a:r>
-          </a:p>
-          <a:p>
-            <a:pPr marL="0" indent="0">
-              <a:buNone/>
-            </a:pPr>
-            <a:r>
-              <a:rPr lang="en-US" altLang="zh-CN" sz="3300" dirty="0"/>
-              <a:t> </a:t>
-            </a:r>
-            <a:r>
-              <a:rPr lang="en-US" altLang="zh-CN" sz="3300" dirty="0" smtClean="0"/>
-              <a:t>      </a:t>
-            </a:r>
-            <a:r>
-              <a:rPr lang="zh-CN" altLang="en-US" sz="3300" dirty="0" smtClean="0"/>
-              <a:t>主要</a:t>
-            </a:r>
-            <a:r>
-              <a:rPr lang="zh-CN" altLang="en-US" sz="3300" dirty="0"/>
-              <a:t>负责</a:t>
-            </a:r>
-            <a:r>
-              <a:rPr lang="en-US" altLang="zh-CN" sz="3300" dirty="0"/>
-              <a:t>java -</a:t>
-            </a:r>
-            <a:r>
-              <a:rPr lang="en-US" altLang="zh-CN" sz="3300" dirty="0" err="1"/>
-              <a:t>classpath</a:t>
-            </a:r>
-            <a:r>
-              <a:rPr lang="en-US" altLang="zh-CN" sz="3300" dirty="0"/>
-              <a:t>/-</a:t>
-            </a:r>
-            <a:r>
-              <a:rPr lang="en-US" altLang="zh-CN" sz="3300" dirty="0" err="1"/>
-              <a:t>Djava.class.path</a:t>
-            </a:r>
-            <a:r>
-              <a:rPr lang="zh-CN" altLang="en-US" sz="3300" dirty="0"/>
-              <a:t>所指的目录下的类与</a:t>
-            </a:r>
-            <a:r>
-              <a:rPr lang="en-US" altLang="zh-CN" sz="3300" dirty="0"/>
-              <a:t>jar</a:t>
-            </a:r>
-            <a:r>
-              <a:rPr lang="zh-CN" altLang="en-US" sz="3300" dirty="0"/>
-              <a:t>包装入工作</a:t>
-            </a:r>
-            <a:r>
-              <a:rPr lang="zh-CN" altLang="en-US" sz="3300" dirty="0" smtClean="0"/>
-              <a:t>。</a:t>
-            </a:r>
-            <a:endParaRPr lang="en-US" altLang="zh-CN" sz="3300" dirty="0" smtClean="0"/>
-          </a:p>
-          <a:p>
-            <a:pPr marL="0" indent="0">
-              <a:buNone/>
-            </a:pPr>
-            <a:endParaRPr lang="zh-CN" altLang="en-US" sz="3300" dirty="0"/>
-          </a:p>
-          <a:p>
-            <a:r>
-              <a:rPr lang="en-US" altLang="zh-CN" dirty="0"/>
-              <a:t>User Custom </a:t>
-            </a:r>
-            <a:r>
-              <a:rPr lang="en-US" altLang="zh-CN" dirty="0" err="1"/>
-              <a:t>ClassLoader</a:t>
-            </a:r>
-            <a:r>
-              <a:rPr lang="en-US" altLang="zh-CN" dirty="0"/>
-              <a:t>/</a:t>
-            </a:r>
-            <a:r>
-              <a:rPr lang="zh-CN" altLang="en-US" dirty="0"/>
-              <a:t>用户自定义类加载器</a:t>
-            </a:r>
-            <a:r>
-              <a:rPr lang="en-US" altLang="zh-CN" dirty="0"/>
-              <a:t>(</a:t>
-            </a:r>
-            <a:r>
-              <a:rPr lang="en-US" altLang="zh-CN" dirty="0" err="1"/>
-              <a:t>java.lang.ClassLoader</a:t>
-            </a:r>
-            <a:r>
-              <a:rPr lang="zh-CN" altLang="en-US" dirty="0"/>
-              <a:t>的子类</a:t>
-            </a:r>
-            <a:r>
-              <a:rPr lang="en-US" altLang="zh-CN" dirty="0"/>
-              <a:t>) </a:t>
-            </a:r>
-          </a:p>
-          <a:p>
-            <a:pPr marL="0" indent="0">
-              <a:buNone/>
-            </a:pPr>
-            <a:r>
-              <a:rPr lang="en-US" altLang="zh-CN" dirty="0"/>
-              <a:t> </a:t>
-            </a:r>
-            <a:r>
-              <a:rPr lang="en-US" altLang="zh-CN" dirty="0" smtClean="0"/>
-              <a:t>     </a:t>
-            </a:r>
-            <a:r>
-              <a:rPr lang="zh-CN" altLang="en-US" dirty="0" smtClean="0"/>
-              <a:t>通过</a:t>
-            </a:r>
-            <a:r>
-              <a:rPr lang="en-US" altLang="zh-CN" dirty="0" err="1"/>
-              <a:t>java.lang.ClassLoader</a:t>
-            </a:r>
-            <a:r>
-              <a:rPr lang="zh-CN" altLang="en-US" dirty="0"/>
-              <a:t>的子</a:t>
-            </a:r>
-            <a:r>
-              <a:rPr lang="zh-CN" altLang="en-US" dirty="0" smtClean="0"/>
+              <a:rPr lang="zh-CN" altLang="en-US" sz="2800" smtClean="0"/>
+              <a:t>方法二：用</a:t>
+            </a:r>
+            <a:r>
+              <a:rPr lang="en-US" altLang="zh-CN" sz="2800" dirty="0"/>
+              <a:t>JDK</a:t>
+            </a:r>
+            <a:r>
+              <a:rPr lang="zh-CN" altLang="en-US" sz="2800" dirty="0"/>
+              <a:t>自带的</a:t>
+            </a:r>
+            <a:r>
+              <a:rPr lang="en-US" altLang="zh-CN" sz="2800" dirty="0" err="1"/>
+              <a:t>VisualVM</a:t>
+            </a:r>
+            <a:r>
+              <a:rPr lang="zh-CN" altLang="en-US" sz="2800" dirty="0"/>
+              <a:t>工具</a:t>
+            </a:r>
+            <a:r>
+              <a:rPr lang="en-US" altLang="zh-CN" sz="2800" dirty="0"/>
+              <a:t>, </a:t>
+            </a:r>
+            <a:r>
+              <a:rPr lang="zh-CN" altLang="en-US" sz="2800" dirty="0"/>
+              <a:t>点击堆</a:t>
+            </a:r>
+            <a:r>
+              <a:rPr lang="en-US" altLang="zh-CN" sz="2800" dirty="0"/>
+              <a:t>dump</a:t>
+            </a:r>
+            <a:r>
+              <a:rPr lang="zh-CN" altLang="en-US" sz="2800" dirty="0"/>
+              <a:t>，可以查看加载了的</a:t>
+            </a:r>
+            <a:r>
+              <a:rPr lang="zh-CN" altLang="en-US" sz="2800" dirty="0" smtClean="0"/>
               <a:t>类</a:t>
             </a:r>
-            <a:r>
-              <a:rPr lang="zh-CN" altLang="en-US" dirty="0"/>
-              <a:t>在程序运行期间</a:t>
-            </a:r>
-            <a:r>
-              <a:rPr lang="zh-CN" altLang="en-US" dirty="0" smtClean="0"/>
-              <a:t>动态</a:t>
-            </a:r>
-            <a:r>
-              <a:rPr lang="zh-CN" altLang="en-US" dirty="0"/>
-              <a:t>加载</a:t>
-            </a:r>
-            <a:r>
-              <a:rPr lang="en-US" altLang="zh-CN" dirty="0"/>
-              <a:t>class</a:t>
-            </a:r>
-            <a:r>
-              <a:rPr lang="zh-CN" altLang="en-US" dirty="0"/>
-              <a:t>文件</a:t>
-            </a:r>
-            <a:r>
-              <a:rPr lang="en-US" altLang="zh-CN" dirty="0"/>
-              <a:t>, </a:t>
-            </a:r>
-            <a:r>
-              <a:rPr lang="zh-CN" altLang="en-US" dirty="0"/>
-              <a:t>体现</a:t>
-            </a:r>
-            <a:r>
-              <a:rPr lang="en-US" altLang="zh-CN" dirty="0"/>
-              <a:t>java</a:t>
-            </a:r>
-            <a:r>
-              <a:rPr lang="zh-CN" altLang="en-US" dirty="0"/>
-              <a:t>动态实时类装入特性</a:t>
-            </a:r>
-            <a:r>
-              <a:rPr lang="zh-CN" altLang="en-US" dirty="0" smtClean="0"/>
-              <a:t>。</a:t>
-            </a:r>
-            <a:endParaRPr lang="en-US" altLang="zh-CN" dirty="0" smtClean="0"/>
+            <a:endParaRPr lang="en-US" altLang="zh-CN" sz="2800" dirty="0"/>
           </a:p>
           <a:p>
             <a:pPr marL="0" indent="0">
@@ -4025,36 +4001,133 @@
             </a:pPr>
             <a:endParaRPr lang="zh-CN" altLang="en-US" dirty="0"/>
           </a:p>
-          <a:p>
-            <a:pPr marL="0" indent="0">
-              <a:buNone/>
-            </a:pPr>
-            <a:r>
-              <a:rPr lang="zh-CN" altLang="en-US" dirty="0" smtClean="0"/>
-              <a:t>每个</a:t>
-            </a:r>
-            <a:r>
-              <a:rPr lang="en-US" altLang="zh-CN" dirty="0" err="1"/>
-              <a:t>ClassLoader</a:t>
-            </a:r>
-            <a:r>
-              <a:rPr lang="zh-CN" altLang="en-US" dirty="0"/>
-              <a:t>都维护了一份自己的名称空间， 同一个名称空间里不能出现两个同名的类。</a:t>
-            </a:r>
-            <a:endParaRPr lang="zh-CN" altLang="en-US" dirty="0"/>
-          </a:p>
-        </p:txBody>
-      </p:sp>
+        </p:txBody>
+      </p:sp>
+      <p:pic>
+        <p:nvPicPr>
+          <p:cNvPr id="1027" name="Picture 3"/>
+          <p:cNvPicPr>
+            <a:picLocks noChangeAspect="1" noChangeArrowheads="1"/>
+          </p:cNvPicPr>
+          <p:nvPr/>
+        </p:nvPicPr>
+        <p:blipFill>
+          <a:blip r:embed="rId2" cstate="print">
+            <a:extLst>
+              <a:ext uri="{28A0092B-C50C-407E-A947-70E740481C1C}">
+                <a14:useLocalDpi xmlns:a14="http://schemas.microsoft.com/office/drawing/2010/main" val="0"/>
+              </a:ext>
+            </a:extLst>
+          </a:blip>
+          <a:srcRect/>
+          <a:stretch>
+            <a:fillRect/>
+          </a:stretch>
+        </p:blipFill>
+        <p:spPr bwMode="auto">
+          <a:xfrm>
+            <a:off x="547228" y="3717032"/>
+            <a:ext cx="3600400" cy="2628356"/>
+          </a:xfrm>
+          <a:prstGeom prst="rect">
+            <a:avLst/>
+          </a:prstGeom>
+          <a:noFill/>
+          <a:ln>
+            <a:noFill/>
+          </a:ln>
+          <a:extLst>
+            <a:ext uri="{909E8E84-426E-40DD-AFC4-6F175D3DCCD1}">
+              <a14:hiddenFill xmlns:a14="http://schemas.microsoft.com/office/drawing/2010/main">
+                <a:solidFill>
+                  <a:schemeClr val="accent1"/>
+                </a:solidFill>
+              </a14:hiddenFill>
+            </a:ext>
+            <a:ext uri="{91240B29-F687-4F45-9708-019B960494DF}">
+              <a14:hiddenLine xmlns:a14="http://schemas.microsoft.com/office/drawing/2010/main" w="9525">
+                <a:solidFill>
+                  <a:schemeClr val="tx1"/>
+                </a:solidFill>
+                <a:miter lim="800000"/>
+                <a:headEnd/>
+                <a:tailEnd/>
+              </a14:hiddenLine>
+            </a:ext>
+          </a:extLst>
+        </p:spPr>
+      </p:pic>
+      <p:pic>
+        <p:nvPicPr>
+          <p:cNvPr id="1028" name="Picture 4"/>
+          <p:cNvPicPr>
+            <a:picLocks noChangeAspect="1" noChangeArrowheads="1"/>
+          </p:cNvPicPr>
+          <p:nvPr/>
+        </p:nvPicPr>
+        <p:blipFill>
+          <a:blip r:embed="rId3" cstate="print">
+            <a:extLst>
+              <a:ext uri="{28A0092B-C50C-407E-A947-70E740481C1C}">
+                <a14:useLocalDpi xmlns:a14="http://schemas.microsoft.com/office/drawing/2010/main" val="0"/>
+              </a:ext>
+            </a:extLst>
+          </a:blip>
+          <a:srcRect/>
+          <a:stretch>
+            <a:fillRect/>
+          </a:stretch>
+        </p:blipFill>
+        <p:spPr bwMode="auto">
+          <a:xfrm>
+            <a:off x="4788024" y="3717032"/>
+            <a:ext cx="3496323" cy="2552378"/>
+          </a:xfrm>
+          <a:prstGeom prst="rect">
+            <a:avLst/>
+          </a:prstGeom>
+          <a:noFill/>
+          <a:ln>
+            <a:noFill/>
+          </a:ln>
+          <a:extLst>
+            <a:ext uri="{909E8E84-426E-40DD-AFC4-6F175D3DCCD1}">
+              <a14:hiddenFill xmlns:a14="http://schemas.microsoft.com/office/drawing/2010/main">
+                <a:solidFill>
+                  <a:schemeClr val="accent1"/>
+                </a:solidFill>
+              </a14:hiddenFill>
+            </a:ext>
+            <a:ext uri="{91240B29-F687-4F45-9708-019B960494DF}">
+              <a14:hiddenLine xmlns:a14="http://schemas.microsoft.com/office/drawing/2010/main" w="9525">
+                <a:solidFill>
+                  <a:schemeClr val="tx1"/>
+                </a:solidFill>
+                <a:miter lim="800000"/>
+                <a:headEnd/>
+                <a:tailEnd/>
+              </a14:hiddenLine>
+            </a:ext>
+          </a:extLst>
+        </p:spPr>
+      </p:pic>
     </p:spTree>
     <p:extLst>
       <p:ext uri="{BB962C8B-B14F-4D97-AF65-F5344CB8AC3E}">
-        <p14:creationId xmlns:p14="http://schemas.microsoft.com/office/powerpoint/2010/main" val="1813865754"/>
+        <p14:creationId xmlns:p14="http://schemas.microsoft.com/office/powerpoint/2010/main" val="383469086"/>
       </p:ext>
     </p:extLst>
   </p:cSld>
   <p:clrMapOvr>
     <a:masterClrMapping/>
   </p:clrMapOvr>
+  <p:timing>
+    <p:tnLst>
+      <p:par>
+        <p:cTn id="1" dur="indefinite" restart="never" nodeType="tmRoot"/>
+      </p:par>
+    </p:tnLst>
+  </p:timing>
 </p:sld>
 </file>
 
@@ -4087,6 +4160,536 @@
         </p:nvSpPr>
         <p:spPr/>
         <p:txBody>
+          <a:bodyPr/>
+          <a:lstStyle/>
+          <a:p>
+            <a:r>
+              <a:rPr lang="zh-CN" altLang="en-US" dirty="0" smtClean="0"/>
+              <a:t>三个默认加载器</a:t>
+            </a:r>
+            <a:endParaRPr lang="zh-CN" altLang="en-US" dirty="0"/>
+          </a:p>
+        </p:txBody>
+      </p:sp>
+      <p:sp>
+        <p:nvSpPr>
+          <p:cNvPr id="3" name="内容占位符 2"/>
+          <p:cNvSpPr>
+            <a:spLocks noGrp="1"/>
+          </p:cNvSpPr>
+          <p:nvPr>
+            <p:ph idx="1"/>
+          </p:nvPr>
+        </p:nvSpPr>
+        <p:spPr/>
+        <p:txBody>
+          <a:bodyPr>
+            <a:normAutofit fontScale="55000" lnSpcReduction="20000"/>
+          </a:bodyPr>
+          <a:lstStyle/>
+          <a:p>
+            <a:r>
+              <a:rPr lang="en-US" altLang="zh-CN" dirty="0"/>
+              <a:t>Bootstrap </a:t>
+            </a:r>
+            <a:r>
+              <a:rPr lang="en-US" altLang="zh-CN" dirty="0" err="1"/>
+              <a:t>ClassLoader</a:t>
+            </a:r>
+            <a:r>
+              <a:rPr lang="en-US" altLang="zh-CN" dirty="0"/>
+              <a:t>/</a:t>
+            </a:r>
+            <a:r>
+              <a:rPr lang="zh-CN" altLang="en-US" dirty="0"/>
+              <a:t>启动类加载器 </a:t>
+            </a:r>
+            <a:r>
+              <a:rPr lang="en-US" altLang="zh-CN" dirty="0" smtClean="0"/>
+              <a:t>(</a:t>
+            </a:r>
+            <a:r>
+              <a:rPr lang="zh-CN" altLang="en-US" dirty="0" smtClean="0"/>
+              <a:t>不可获得</a:t>
+            </a:r>
+            <a:r>
+              <a:rPr lang="en-US" altLang="zh-CN" dirty="0" smtClean="0"/>
+              <a:t>)</a:t>
+            </a:r>
+            <a:endParaRPr lang="zh-CN" altLang="en-US" dirty="0"/>
+          </a:p>
+          <a:p>
+            <a:pPr marL="0" indent="0">
+              <a:buNone/>
+            </a:pPr>
+            <a:r>
+              <a:rPr lang="en-US" altLang="zh-CN" dirty="0"/>
+              <a:t> </a:t>
+            </a:r>
+            <a:r>
+              <a:rPr lang="en-US" altLang="zh-CN" dirty="0" smtClean="0"/>
+              <a:t>      </a:t>
+            </a:r>
+            <a:r>
+              <a:rPr lang="zh-CN" altLang="en-US" sz="3300" dirty="0" smtClean="0"/>
+              <a:t>主要</a:t>
+            </a:r>
+            <a:r>
+              <a:rPr lang="zh-CN" altLang="en-US" sz="3300" dirty="0"/>
+              <a:t>负责</a:t>
+            </a:r>
+            <a:r>
+              <a:rPr lang="en-US" altLang="zh-CN" sz="3300" dirty="0" err="1"/>
+              <a:t>jdk_home</a:t>
+            </a:r>
+            <a:r>
+              <a:rPr lang="en-US" altLang="zh-CN" sz="3300" dirty="0"/>
+              <a:t>/lib</a:t>
+            </a:r>
+            <a:r>
+              <a:rPr lang="zh-CN" altLang="en-US" sz="3300" dirty="0"/>
+              <a:t>目录下的核心 </a:t>
+            </a:r>
+            <a:r>
+              <a:rPr lang="en-US" altLang="zh-CN" sz="3300" dirty="0" err="1"/>
+              <a:t>api</a:t>
+            </a:r>
+            <a:r>
+              <a:rPr lang="en-US" altLang="zh-CN" sz="3300" dirty="0"/>
+              <a:t> </a:t>
+            </a:r>
+            <a:r>
+              <a:rPr lang="zh-CN" altLang="en-US" sz="3300" dirty="0"/>
+              <a:t>或 </a:t>
+            </a:r>
+            <a:r>
+              <a:rPr lang="en-US" altLang="zh-CN" sz="3300" dirty="0"/>
+              <a:t>-</a:t>
+            </a:r>
+            <a:r>
+              <a:rPr lang="en-US" altLang="zh-CN" sz="3300" dirty="0" err="1"/>
+              <a:t>Xbootclasspath</a:t>
+            </a:r>
+            <a:r>
+              <a:rPr lang="en-US" altLang="zh-CN" sz="3300" dirty="0"/>
+              <a:t> </a:t>
+            </a:r>
+            <a:r>
+              <a:rPr lang="zh-CN" altLang="en-US" sz="3300" dirty="0"/>
+              <a:t>选项指定的</a:t>
+            </a:r>
+            <a:r>
+              <a:rPr lang="en-US" altLang="zh-CN" sz="3300" dirty="0"/>
+              <a:t>jar</a:t>
+            </a:r>
+            <a:r>
+              <a:rPr lang="zh-CN" altLang="en-US" sz="3300" dirty="0"/>
+              <a:t>包装入工作。</a:t>
+            </a:r>
+            <a:endParaRPr lang="en-US" altLang="zh-CN" sz="3300" dirty="0"/>
+          </a:p>
+          <a:p>
+            <a:pPr marL="0" indent="0">
+              <a:buNone/>
+            </a:pPr>
+            <a:endParaRPr lang="zh-CN" altLang="en-US" u="sng" dirty="0"/>
+          </a:p>
+          <a:p>
+            <a:r>
+              <a:rPr lang="en-US" altLang="zh-CN" dirty="0"/>
+              <a:t>Extension </a:t>
+            </a:r>
+            <a:r>
+              <a:rPr lang="en-US" altLang="zh-CN" dirty="0" err="1"/>
+              <a:t>ClassLoader</a:t>
+            </a:r>
+            <a:r>
+              <a:rPr lang="en-US" altLang="zh-CN" dirty="0"/>
+              <a:t>/</a:t>
+            </a:r>
+            <a:r>
+              <a:rPr lang="zh-CN" altLang="en-US" dirty="0"/>
+              <a:t>扩展类加载器 </a:t>
+            </a:r>
+            <a:r>
+              <a:rPr lang="zh-CN" altLang="en-US" dirty="0" smtClean="0"/>
+              <a:t>（</a:t>
+            </a:r>
+            <a:r>
+              <a:rPr lang="en-US" altLang="zh-CN" dirty="0"/>
+              <a:t> </a:t>
+            </a:r>
+            <a:r>
+              <a:rPr lang="en-US" altLang="zh-CN" dirty="0" err="1"/>
+              <a:t>sun.misc.Launcher$ExtClassLoader</a:t>
+            </a:r>
+            <a:r>
+              <a:rPr lang="en-US" altLang="zh-CN" dirty="0"/>
+              <a:t> </a:t>
+            </a:r>
+            <a:r>
+              <a:rPr lang="zh-CN" altLang="en-US" dirty="0" smtClean="0"/>
+              <a:t>）</a:t>
+            </a:r>
+            <a:endParaRPr lang="zh-CN" altLang="en-US" dirty="0"/>
+          </a:p>
+          <a:p>
+            <a:pPr marL="0" indent="0">
+              <a:buNone/>
+            </a:pPr>
+            <a:r>
+              <a:rPr lang="en-US" altLang="zh-CN" dirty="0"/>
+              <a:t> </a:t>
+            </a:r>
+            <a:r>
+              <a:rPr lang="en-US" altLang="zh-CN" dirty="0" smtClean="0"/>
+              <a:t>      </a:t>
+            </a:r>
+            <a:r>
+              <a:rPr lang="zh-CN" altLang="en-US" sz="3300" dirty="0" smtClean="0"/>
+              <a:t>主要</a:t>
+            </a:r>
+            <a:r>
+              <a:rPr lang="zh-CN" altLang="en-US" sz="3300" dirty="0"/>
+              <a:t>负责</a:t>
+            </a:r>
+            <a:r>
+              <a:rPr lang="en-US" altLang="zh-CN" sz="3300" dirty="0" err="1"/>
+              <a:t>jdk_home</a:t>
+            </a:r>
+            <a:r>
+              <a:rPr lang="en-US" altLang="zh-CN" sz="3300" dirty="0"/>
+              <a:t>/lib/</a:t>
+            </a:r>
+            <a:r>
+              <a:rPr lang="en-US" altLang="zh-CN" sz="3300" dirty="0" err="1"/>
+              <a:t>ext</a:t>
+            </a:r>
+            <a:r>
+              <a:rPr lang="zh-CN" altLang="en-US" sz="3300" dirty="0"/>
+              <a:t>目录下的</a:t>
+            </a:r>
+            <a:r>
+              <a:rPr lang="en-US" altLang="zh-CN" sz="3300" dirty="0"/>
+              <a:t>jar</a:t>
+            </a:r>
+            <a:r>
+              <a:rPr lang="zh-CN" altLang="en-US" sz="3300" dirty="0"/>
+              <a:t>包或 </a:t>
+            </a:r>
+            <a:r>
+              <a:rPr lang="en-US" altLang="zh-CN" sz="3300" dirty="0"/>
+              <a:t>-</a:t>
+            </a:r>
+            <a:r>
+              <a:rPr lang="en-US" altLang="zh-CN" sz="3300" dirty="0" err="1"/>
+              <a:t>Djava.ext.dirs</a:t>
+            </a:r>
+            <a:r>
+              <a:rPr lang="en-US" altLang="zh-CN" sz="3300" dirty="0"/>
+              <a:t> </a:t>
+            </a:r>
+            <a:r>
+              <a:rPr lang="zh-CN" altLang="en-US" sz="3300" dirty="0"/>
+              <a:t>指定目录下的</a:t>
+            </a:r>
+            <a:r>
+              <a:rPr lang="en-US" altLang="zh-CN" sz="3300" dirty="0"/>
+              <a:t>jar</a:t>
+            </a:r>
+            <a:r>
+              <a:rPr lang="zh-CN" altLang="en-US" sz="3300" dirty="0"/>
+              <a:t>包装入工作</a:t>
+            </a:r>
+            <a:r>
+              <a:rPr lang="zh-CN" altLang="en-US" sz="3300" dirty="0" smtClean="0"/>
+              <a:t>。</a:t>
+            </a:r>
+            <a:endParaRPr lang="en-US" altLang="zh-CN" sz="3300" dirty="0" smtClean="0"/>
+          </a:p>
+          <a:p>
+            <a:pPr marL="0" indent="0">
+              <a:buNone/>
+            </a:pPr>
+            <a:endParaRPr lang="zh-CN" altLang="en-US" sz="3300" dirty="0"/>
+          </a:p>
+          <a:p>
+            <a:r>
+              <a:rPr lang="en-US" altLang="zh-CN" dirty="0"/>
+              <a:t>System </a:t>
+            </a:r>
+            <a:r>
+              <a:rPr lang="en-US" altLang="zh-CN" dirty="0" err="1"/>
+              <a:t>ClassLoader</a:t>
+            </a:r>
+            <a:r>
+              <a:rPr lang="en-US" altLang="zh-CN" dirty="0"/>
+              <a:t>/</a:t>
+            </a:r>
+            <a:r>
+              <a:rPr lang="zh-CN" altLang="en-US" dirty="0"/>
+              <a:t>系统类加载器 </a:t>
+            </a:r>
+            <a:r>
+              <a:rPr lang="zh-CN" altLang="en-US" dirty="0" smtClean="0"/>
+              <a:t>（</a:t>
+            </a:r>
+            <a:r>
+              <a:rPr lang="en-US" altLang="zh-CN" dirty="0"/>
+              <a:t> </a:t>
+            </a:r>
+            <a:r>
+              <a:rPr lang="en-US" altLang="zh-CN" dirty="0" err="1" smtClean="0"/>
+              <a:t>sun.misc.Launcher$AppClassLoader</a:t>
+            </a:r>
+            <a:r>
+              <a:rPr lang="en-US" altLang="zh-CN" dirty="0" smtClean="0"/>
+              <a:t> </a:t>
+            </a:r>
+            <a:r>
+              <a:rPr lang="zh-CN" altLang="en-US" dirty="0" smtClean="0"/>
+              <a:t>）</a:t>
+            </a:r>
+            <a:endParaRPr lang="zh-CN" altLang="en-US" dirty="0"/>
+          </a:p>
+          <a:p>
+            <a:pPr marL="0" indent="0">
+              <a:buNone/>
+            </a:pPr>
+            <a:r>
+              <a:rPr lang="en-US" altLang="zh-CN" sz="3300" dirty="0"/>
+              <a:t> </a:t>
+            </a:r>
+            <a:r>
+              <a:rPr lang="en-US" altLang="zh-CN" sz="3300" dirty="0" smtClean="0"/>
+              <a:t>      </a:t>
+            </a:r>
+            <a:r>
+              <a:rPr lang="zh-CN" altLang="en-US" sz="3300" dirty="0" smtClean="0"/>
+              <a:t>主要</a:t>
+            </a:r>
+            <a:r>
+              <a:rPr lang="zh-CN" altLang="en-US" sz="3300" dirty="0"/>
+              <a:t>负责</a:t>
+            </a:r>
+            <a:r>
+              <a:rPr lang="en-US" altLang="zh-CN" sz="3300" dirty="0"/>
+              <a:t>java -</a:t>
+            </a:r>
+            <a:r>
+              <a:rPr lang="en-US" altLang="zh-CN" sz="3300" dirty="0" err="1"/>
+              <a:t>classpath</a:t>
+            </a:r>
+            <a:r>
+              <a:rPr lang="en-US" altLang="zh-CN" sz="3300" dirty="0"/>
+              <a:t>/-</a:t>
+            </a:r>
+            <a:r>
+              <a:rPr lang="en-US" altLang="zh-CN" sz="3300" dirty="0" err="1"/>
+              <a:t>Djava.class.path</a:t>
+            </a:r>
+            <a:r>
+              <a:rPr lang="zh-CN" altLang="en-US" sz="3300" dirty="0"/>
+              <a:t>所指的目录下的类与</a:t>
+            </a:r>
+            <a:r>
+              <a:rPr lang="en-US" altLang="zh-CN" sz="3300" dirty="0"/>
+              <a:t>jar</a:t>
+            </a:r>
+            <a:r>
+              <a:rPr lang="zh-CN" altLang="en-US" sz="3300" dirty="0"/>
+              <a:t>包装入工作</a:t>
+            </a:r>
+            <a:r>
+              <a:rPr lang="zh-CN" altLang="en-US" sz="3300" dirty="0" smtClean="0"/>
+              <a:t>。</a:t>
+            </a:r>
+            <a:endParaRPr lang="en-US" altLang="zh-CN" sz="3300" dirty="0" smtClean="0"/>
+          </a:p>
+          <a:p>
+            <a:pPr marL="0" indent="0">
+              <a:buNone/>
+            </a:pPr>
+            <a:endParaRPr lang="zh-CN" altLang="en-US" sz="3300" dirty="0"/>
+          </a:p>
+          <a:p>
+            <a:r>
+              <a:rPr lang="en-US" altLang="zh-CN" dirty="0"/>
+              <a:t>User Custom </a:t>
+            </a:r>
+            <a:r>
+              <a:rPr lang="en-US" altLang="zh-CN" dirty="0" err="1"/>
+              <a:t>ClassLoader</a:t>
+            </a:r>
+            <a:r>
+              <a:rPr lang="en-US" altLang="zh-CN" dirty="0"/>
+              <a:t>/</a:t>
+            </a:r>
+            <a:r>
+              <a:rPr lang="zh-CN" altLang="en-US" dirty="0"/>
+              <a:t>用户自定义类加载器</a:t>
+            </a:r>
+            <a:r>
+              <a:rPr lang="en-US" altLang="zh-CN" dirty="0"/>
+              <a:t>(</a:t>
+            </a:r>
+            <a:r>
+              <a:rPr lang="en-US" altLang="zh-CN" dirty="0" err="1"/>
+              <a:t>java.lang.ClassLoader</a:t>
+            </a:r>
+            <a:r>
+              <a:rPr lang="zh-CN" altLang="en-US" dirty="0"/>
+              <a:t>的子类</a:t>
+            </a:r>
+            <a:r>
+              <a:rPr lang="en-US" altLang="zh-CN" dirty="0"/>
+              <a:t>) </a:t>
+            </a:r>
+          </a:p>
+          <a:p>
+            <a:pPr marL="0" indent="0">
+              <a:buNone/>
+            </a:pPr>
+            <a:r>
+              <a:rPr lang="en-US" altLang="zh-CN" dirty="0"/>
+              <a:t> </a:t>
+            </a:r>
+            <a:r>
+              <a:rPr lang="en-US" altLang="zh-CN" dirty="0" smtClean="0"/>
+              <a:t>     </a:t>
+            </a:r>
+            <a:r>
+              <a:rPr lang="zh-CN" altLang="en-US" dirty="0" smtClean="0"/>
+              <a:t>通过</a:t>
+            </a:r>
+            <a:r>
+              <a:rPr lang="en-US" altLang="zh-CN" dirty="0" err="1"/>
+              <a:t>java.lang.ClassLoader</a:t>
+            </a:r>
+            <a:r>
+              <a:rPr lang="zh-CN" altLang="en-US" dirty="0"/>
+              <a:t>的子</a:t>
+            </a:r>
+            <a:r>
+              <a:rPr lang="zh-CN" altLang="en-US" dirty="0" smtClean="0"/>
+              <a:t>类</a:t>
+            </a:r>
+            <a:r>
+              <a:rPr lang="zh-CN" altLang="en-US" dirty="0"/>
+              <a:t>在程序运行期间</a:t>
+            </a:r>
+            <a:r>
+              <a:rPr lang="zh-CN" altLang="en-US" dirty="0" smtClean="0"/>
+              <a:t>动态</a:t>
+            </a:r>
+            <a:r>
+              <a:rPr lang="zh-CN" altLang="en-US" dirty="0"/>
+              <a:t>加载</a:t>
+            </a:r>
+            <a:r>
+              <a:rPr lang="en-US" altLang="zh-CN" dirty="0"/>
+              <a:t>class</a:t>
+            </a:r>
+            <a:r>
+              <a:rPr lang="zh-CN" altLang="en-US" dirty="0"/>
+              <a:t>文件</a:t>
+            </a:r>
+            <a:r>
+              <a:rPr lang="en-US" altLang="zh-CN" dirty="0"/>
+              <a:t>, </a:t>
+            </a:r>
+            <a:r>
+              <a:rPr lang="zh-CN" altLang="en-US" dirty="0"/>
+              <a:t>体现</a:t>
+            </a:r>
+            <a:r>
+              <a:rPr lang="en-US" altLang="zh-CN" dirty="0"/>
+              <a:t>java</a:t>
+            </a:r>
+            <a:r>
+              <a:rPr lang="zh-CN" altLang="en-US" dirty="0"/>
+              <a:t>动态实时类装入特性</a:t>
+            </a:r>
+            <a:r>
+              <a:rPr lang="zh-CN" altLang="en-US" dirty="0" smtClean="0"/>
+              <a:t>。</a:t>
+            </a:r>
+            <a:endParaRPr lang="en-US" altLang="zh-CN" dirty="0" smtClean="0"/>
+          </a:p>
+          <a:p>
+            <a:pPr marL="0" indent="0">
+              <a:buNone/>
+            </a:pPr>
+            <a:endParaRPr lang="zh-CN" altLang="en-US" dirty="0"/>
+          </a:p>
+          <a:p>
+            <a:pPr marL="0" indent="0">
+              <a:buNone/>
+            </a:pPr>
+            <a:r>
+              <a:rPr lang="zh-CN" altLang="en-US" dirty="0" smtClean="0"/>
+              <a:t>每个</a:t>
+            </a:r>
+            <a:r>
+              <a:rPr lang="en-US" altLang="zh-CN" dirty="0" err="1"/>
+              <a:t>ClassLoader</a:t>
+            </a:r>
+            <a:r>
+              <a:rPr lang="zh-CN" altLang="en-US" dirty="0"/>
+              <a:t>都维护了一份自己的名称空间， 同一个名称空间里不能出现两个同名的类。</a:t>
+            </a:r>
+          </a:p>
+        </p:txBody>
+      </p:sp>
+    </p:spTree>
+    <p:extLst>
+      <p:ext uri="{BB962C8B-B14F-4D97-AF65-F5344CB8AC3E}">
+        <p14:creationId xmlns:p14="http://schemas.microsoft.com/office/powerpoint/2010/main" val="1813865754"/>
+      </p:ext>
+    </p:extLst>
+  </p:cSld>
+  <p:clrMapOvr>
+    <a:masterClrMapping/>
+  </p:clrMapOvr>
+  <p:timing>
+    <p:tnLst>
+      <p:par>
+        <p:cTn id="1" dur="indefinite" restart="never" nodeType="tmRoot"/>
+      </p:par>
+    </p:tnLst>
+  </p:timing>
+</p:sld>
+</file>
+
+<file path=ppt/slides/slide6.xml><?xml version="1.0" encoding="utf-8"?>
+<p:sld xmlns:a="http://schemas.openxmlformats.org/drawingml/2006/main" xmlns:r="http://schemas.openxmlformats.org/officeDocument/2006/relationships" xmlns:p="http://schemas.openxmlformats.org/presentationml/2006/main">
+  <p:cSld>
+    <p:spTree>
+      <p:nvGrpSpPr>
+        <p:cNvPr id="1" name=""/>
+        <p:cNvGrpSpPr/>
+        <p:nvPr/>
+      </p:nvGrpSpPr>
+      <p:grpSpPr>
+        <a:xfrm>
+          <a:off x="0" y="0"/>
+          <a:ext cx="0" cy="0"/>
+          <a:chOff x="0" y="0"/>
+          <a:chExt cx="0" cy="0"/>
+        </a:xfrm>
+      </p:grpSpPr>
+      <p:sp>
+        <p:nvSpPr>
+          <p:cNvPr id="2" name="标题 1"/>
+          <p:cNvSpPr>
+            <a:spLocks noGrp="1"/>
+          </p:cNvSpPr>
+          <p:nvPr>
+            <p:ph type="title"/>
+          </p:nvPr>
+        </p:nvSpPr>
+        <p:spPr/>
+        <p:txBody>
           <a:bodyPr>
             <a:normAutofit/>
           </a:bodyPr>
@@ -4322,10 +4925,17 @@
   <p:clrMapOvr>
     <a:masterClrMapping/>
   </p:clrMapOvr>
+  <p:timing>
+    <p:tnLst>
+      <p:par>
+        <p:cTn id="1" dur="indefinite" restart="never" nodeType="tmRoot"/>
+      </p:par>
+    </p:tnLst>
+  </p:timing>
 </p:sld>
 </file>
 
-<file path=ppt/slides/slide6.xml><?xml version="1.0" encoding="utf-8"?>
+<file path=ppt/slides/slide7.xml><?xml version="1.0" encoding="utf-8"?>
 <p:sld xmlns:a="http://schemas.openxmlformats.org/drawingml/2006/main" xmlns:r="http://schemas.openxmlformats.org/officeDocument/2006/relationships" xmlns:p="http://schemas.openxmlformats.org/presentationml/2006/main">
   <p:cSld>
     <p:spTree>
@@ -4437,155 +5047,6 @@
 </p:sld>
 </file>
 
-<file path=ppt/slides/slide7.xml><?xml version="1.0" encoding="utf-8"?>
-<p:sld xmlns:a="http://schemas.openxmlformats.org/drawingml/2006/main" xmlns:r="http://schemas.openxmlformats.org/officeDocument/2006/relationships" xmlns:p="http://schemas.openxmlformats.org/presentationml/2006/main">
-  <p:cSld>
-    <p:spTree>
-      <p:nvGrpSpPr>
-        <p:cNvPr id="1" name=""/>
-        <p:cNvGrpSpPr/>
-        <p:nvPr/>
-      </p:nvGrpSpPr>
-      <p:grpSpPr>
-        <a:xfrm>
-          <a:off x="0" y="0"/>
-          <a:ext cx="0" cy="0"/>
-          <a:chOff x="0" y="0"/>
-          <a:chExt cx="0" cy="0"/>
-        </a:xfrm>
-      </p:grpSpPr>
-      <p:sp>
-        <p:nvSpPr>
-          <p:cNvPr id="2" name="标题 1"/>
-          <p:cNvSpPr>
-            <a:spLocks noGrp="1"/>
-          </p:cNvSpPr>
-          <p:nvPr>
-            <p:ph type="title"/>
-          </p:nvPr>
-        </p:nvSpPr>
-        <p:spPr/>
-        <p:txBody>
-          <a:bodyPr/>
-          <a:lstStyle/>
-          <a:p>
-            <a:r>
-              <a:rPr lang="zh-CN" altLang="en-US" dirty="0"/>
-              <a:t>双亲委派</a:t>
-            </a:r>
-            <a:r>
-              <a:rPr lang="zh-CN" altLang="en-US" dirty="0" smtClean="0"/>
-              <a:t>模式（三）</a:t>
-            </a:r>
-            <a:endParaRPr lang="zh-CN" altLang="en-US" dirty="0"/>
-          </a:p>
-        </p:txBody>
-      </p:sp>
-      <p:sp>
-        <p:nvSpPr>
-          <p:cNvPr id="3" name="内容占位符 2"/>
-          <p:cNvSpPr>
-            <a:spLocks noGrp="1"/>
-          </p:cNvSpPr>
-          <p:nvPr>
-            <p:ph idx="1"/>
-          </p:nvPr>
-        </p:nvSpPr>
-        <p:spPr/>
-        <p:txBody>
-          <a:bodyPr/>
-          <a:lstStyle/>
-          <a:p>
-            <a:pPr marL="0" indent="0">
-              <a:buNone/>
-            </a:pPr>
-            <a:r>
-              <a:rPr lang="zh-CN" altLang="en-US" b="1" dirty="0" smtClean="0">
-                <a:latin typeface="微软雅黑" panose="020B0503020204020204" pitchFamily="34" charset="-122"/>
-                <a:ea typeface="微软雅黑" panose="020B0503020204020204" pitchFamily="34" charset="-122"/>
-              </a:rPr>
-              <a:t>特性：</a:t>
-            </a:r>
-            <a:endParaRPr lang="en-US" altLang="zh-CN" b="1" dirty="0" smtClean="0">
-              <a:latin typeface="微软雅黑" panose="020B0503020204020204" pitchFamily="34" charset="-122"/>
-              <a:ea typeface="微软雅黑" panose="020B0503020204020204" pitchFamily="34" charset="-122"/>
-            </a:endParaRPr>
-          </a:p>
-          <a:p>
-            <a:pPr marL="514350" indent="-514350">
-              <a:buFont typeface="+mj-lt"/>
-              <a:buAutoNum type="arabicPeriod"/>
-            </a:pPr>
-            <a:r>
-              <a:rPr lang="zh-CN" altLang="en-US" dirty="0" smtClean="0"/>
-              <a:t>父加载器不是子加载器的父类</a:t>
-            </a:r>
-            <a:endParaRPr lang="en-US" altLang="zh-CN" dirty="0" smtClean="0"/>
-          </a:p>
-          <a:p>
-            <a:pPr marL="514350" indent="-514350">
-              <a:buFont typeface="+mj-lt"/>
-              <a:buAutoNum type="arabicPeriod"/>
-            </a:pPr>
-            <a:r>
-              <a:rPr lang="zh-CN" altLang="en-US" dirty="0" smtClean="0"/>
-              <a:t>类的加载器是最终加载该类的加载器</a:t>
-            </a:r>
-            <a:endParaRPr lang="en-US" altLang="zh-CN" dirty="0" smtClean="0"/>
-          </a:p>
-          <a:p>
-            <a:pPr marL="514350" indent="-514350">
-              <a:buFont typeface="+mj-lt"/>
-              <a:buAutoNum type="arabicPeriod"/>
-            </a:pPr>
-            <a:r>
-              <a:rPr lang="zh-CN" altLang="en-US" dirty="0" smtClean="0"/>
-              <a:t>确保了一个类在只被加载一次</a:t>
-            </a:r>
-            <a:endParaRPr lang="en-US" altLang="zh-CN" dirty="0" smtClean="0"/>
-          </a:p>
-          <a:p>
-            <a:pPr marL="514350" indent="-514350">
-              <a:buFont typeface="+mj-lt"/>
-              <a:buAutoNum type="arabicPeriod"/>
-            </a:pPr>
-            <a:r>
-              <a:rPr lang="zh-CN" altLang="en-US" dirty="0" smtClean="0"/>
-              <a:t>父类加载器加载的类对子类</a:t>
-            </a:r>
-            <a:r>
-              <a:rPr lang="zh-CN" altLang="en-US" dirty="0"/>
-              <a:t>加载器</a:t>
-            </a:r>
-            <a:r>
-              <a:rPr lang="zh-CN" altLang="en-US" dirty="0" smtClean="0"/>
-              <a:t>及其后代类</a:t>
-            </a:r>
-            <a:r>
-              <a:rPr lang="zh-CN" altLang="en-US" dirty="0"/>
-              <a:t>加载</a:t>
-            </a:r>
-            <a:r>
-              <a:rPr lang="zh-CN" altLang="en-US" dirty="0" smtClean="0"/>
-              <a:t>器均可见；没有父子关系或后代关系的类加载器加载的类互相不可见</a:t>
-            </a:r>
-            <a:endParaRPr lang="zh-CN" altLang="en-US" dirty="0"/>
-          </a:p>
-        </p:txBody>
-      </p:sp>
-    </p:spTree>
-    <p:extLst>
-      <p:ext uri="{BB962C8B-B14F-4D97-AF65-F5344CB8AC3E}">
-        <p14:creationId xmlns:p14="http://schemas.microsoft.com/office/powerpoint/2010/main" val="2907922482"/>
-      </p:ext>
-    </p:extLst>
-  </p:cSld>
-  <p:clrMapOvr>
-    <a:masterClrMapping/>
-  </p:clrMapOvr>
-</p:sld>
-</file>
-
 <file path=ppt/slides/slide8.xml><?xml version="1.0" encoding="utf-8"?>
 <p:sld xmlns:a="http://schemas.openxmlformats.org/drawingml/2006/main" xmlns:r="http://schemas.openxmlformats.org/officeDocument/2006/relationships" xmlns:p="http://schemas.openxmlformats.org/presentationml/2006/main">
   <p:cSld>
@@ -4615,18 +5076,16 @@
         </p:nvSpPr>
         <p:spPr/>
         <p:txBody>
-          <a:bodyPr>
-            <a:normAutofit/>
-          </a:bodyPr>
+          <a:bodyPr/>
           <a:lstStyle/>
           <a:p>
             <a:r>
               <a:rPr lang="zh-CN" altLang="en-US" dirty="0"/>
-              <a:t>自定义加载</a:t>
-            </a:r>
-            <a:r>
-              <a:rPr lang="zh-CN" altLang="en-US" dirty="0" smtClean="0"/>
-              <a:t>器</a:t>
+              <a:t>双亲委派</a:t>
+            </a:r>
+            <a:r>
+              <a:rPr lang="zh-CN" altLang="en-US" dirty="0" smtClean="0"/>
+              <a:t>模式（三）</a:t>
             </a:r>
             <a:endParaRPr lang="zh-CN" altLang="en-US" dirty="0"/>
           </a:p>
@@ -4644,154 +5103,82 @@
         </p:nvSpPr>
         <p:spPr/>
         <p:txBody>
-          <a:bodyPr>
-            <a:normAutofit fontScale="92500" lnSpcReduction="20000"/>
-          </a:bodyPr>
-          <a:lstStyle/>
-          <a:p>
-            <a:pPr latinLnBrk="1"/>
-            <a:r>
-              <a:rPr lang="en-US" altLang="zh-CN" dirty="0" err="1">
-                <a:hlinkClick r:id="rId2"/>
+          <a:bodyPr/>
+          <a:lstStyle/>
+          <a:p>
+            <a:pPr marL="0" indent="0">
+              <a:buNone/>
+            </a:pPr>
+            <a:r>
+              <a:rPr lang="zh-CN" altLang="en-US" b="1" dirty="0" smtClean="0">
+                <a:latin typeface="微软雅黑" panose="020B0503020204020204" pitchFamily="34" charset="-122"/>
+                <a:ea typeface="微软雅黑" panose="020B0503020204020204" pitchFamily="34" charset="-122"/>
               </a:rPr>
-              <a:t>defineClass</a:t>
-            </a:r>
-            <a:r>
-              <a:rPr lang="en-US" altLang="zh-CN" dirty="0">
-                <a:hlinkClick r:id="rId2"/>
-              </a:rPr>
-              <a:t>()</a:t>
+              <a:t>特性：</a:t>
+            </a:r>
+            <a:endParaRPr lang="en-US" altLang="zh-CN" b="1" dirty="0" smtClean="0">
+              <a:latin typeface="微软雅黑" panose="020B0503020204020204" pitchFamily="34" charset="-122"/>
+              <a:ea typeface="微软雅黑" panose="020B0503020204020204" pitchFamily="34" charset="-122"/>
+            </a:endParaRPr>
+          </a:p>
+          <a:p>
+            <a:pPr marL="514350" indent="-514350">
+              <a:buFont typeface="+mj-lt"/>
+              <a:buAutoNum type="arabicPeriod"/>
+            </a:pPr>
+            <a:r>
+              <a:rPr lang="zh-CN" altLang="en-US" dirty="0" smtClean="0"/>
+              <a:t>父加载器不是子加载器的父类</a:t>
+            </a:r>
+            <a:endParaRPr lang="en-US" altLang="zh-CN" dirty="0" smtClean="0"/>
+          </a:p>
+          <a:p>
+            <a:pPr marL="514350" indent="-514350">
+              <a:buFont typeface="+mj-lt"/>
+              <a:buAutoNum type="arabicPeriod"/>
+            </a:pPr>
+            <a:r>
+              <a:rPr lang="zh-CN" altLang="en-US" dirty="0" smtClean="0"/>
+              <a:t>类的加载器是最终加载该类的加载器</a:t>
+            </a:r>
+            <a:endParaRPr lang="en-US" altLang="zh-CN" dirty="0" smtClean="0"/>
+          </a:p>
+          <a:p>
+            <a:pPr marL="514350" indent="-514350">
+              <a:buFont typeface="+mj-lt"/>
+              <a:buAutoNum type="arabicPeriod"/>
+            </a:pPr>
+            <a:r>
+              <a:rPr lang="zh-CN" altLang="en-US" dirty="0" smtClean="0"/>
+              <a:t>确保了一个类在只被加载一次</a:t>
+            </a:r>
+            <a:endParaRPr lang="en-US" altLang="zh-CN" dirty="0" smtClean="0"/>
+          </a:p>
+          <a:p>
+            <a:pPr marL="514350" indent="-514350">
+              <a:buFont typeface="+mj-lt"/>
+              <a:buAutoNum type="arabicPeriod"/>
+            </a:pPr>
+            <a:r>
+              <a:rPr lang="zh-CN" altLang="en-US" dirty="0" smtClean="0"/>
+              <a:t>父类加载器加载的类对子类</a:t>
             </a:r>
             <a:r>
               <a:rPr lang="zh-CN" altLang="en-US" dirty="0"/>
-              <a:t>：这个方法用来完成从</a:t>
-            </a:r>
-            <a:r>
-              <a:rPr lang="en-US" altLang="zh-CN" dirty="0"/>
-              <a:t>Java</a:t>
+              <a:t>加载器</a:t>
+            </a:r>
+            <a:r>
+              <a:rPr lang="zh-CN" altLang="en-US" dirty="0" smtClean="0"/>
+              <a:t>及其后代类</a:t>
             </a:r>
             <a:r>
               <a:rPr lang="zh-CN" altLang="en-US" dirty="0"/>
-              <a:t>字节代码的字节数组到</a:t>
-            </a:r>
-            <a:r>
-              <a:rPr lang="en-US" altLang="zh-CN" dirty="0" err="1"/>
-              <a:t>java.lang.Class</a:t>
-            </a:r>
-            <a:r>
-              <a:rPr lang="zh-CN" altLang="en-US" dirty="0"/>
-              <a:t>的转换。这个方法是不能被覆写的，一般是用原生代码来实现的。</a:t>
-            </a:r>
-          </a:p>
-          <a:p>
-            <a:pPr latinLnBrk="1"/>
-            <a:r>
-              <a:rPr lang="en-US" altLang="zh-CN" dirty="0" err="1">
-                <a:hlinkClick r:id="rId3"/>
-              </a:rPr>
-              <a:t>findLoadedClass</a:t>
-            </a:r>
-            <a:r>
-              <a:rPr lang="en-US" altLang="zh-CN" dirty="0">
-                <a:hlinkClick r:id="rId3"/>
-              </a:rPr>
-              <a:t>()</a:t>
-            </a:r>
-            <a:r>
-              <a:rPr lang="zh-CN" altLang="en-US" dirty="0"/>
-              <a:t>：这个方法用来根据名称查找已经加载过的</a:t>
-            </a:r>
-            <a:r>
-              <a:rPr lang="en-US" altLang="zh-CN" dirty="0"/>
-              <a:t>Java</a:t>
-            </a:r>
-            <a:r>
-              <a:rPr lang="zh-CN" altLang="en-US" dirty="0"/>
-              <a:t>类。一个类加载器不会重复加载同一名称的类。</a:t>
-            </a:r>
-          </a:p>
-          <a:p>
-            <a:pPr latinLnBrk="1"/>
-            <a:r>
-              <a:rPr lang="en-US" altLang="zh-CN" dirty="0" err="1">
-                <a:hlinkClick r:id="rId4"/>
-              </a:rPr>
-              <a:t>findClass</a:t>
-            </a:r>
-            <a:r>
-              <a:rPr lang="en-US" altLang="zh-CN" dirty="0">
-                <a:hlinkClick r:id="rId4"/>
-              </a:rPr>
-              <a:t>()</a:t>
-            </a:r>
-            <a:r>
-              <a:rPr lang="zh-CN" altLang="en-US" dirty="0"/>
-              <a:t>：这个方法用来根据名称查找并加载</a:t>
-            </a:r>
-            <a:r>
-              <a:rPr lang="en-US" altLang="zh-CN" dirty="0"/>
-              <a:t>Java</a:t>
-            </a:r>
-            <a:r>
-              <a:rPr lang="zh-CN" altLang="en-US" dirty="0"/>
-              <a:t>类。</a:t>
-            </a:r>
-          </a:p>
-          <a:p>
-            <a:pPr latinLnBrk="1"/>
-            <a:r>
-              <a:rPr lang="en-US" altLang="zh-CN" dirty="0" err="1">
-                <a:hlinkClick r:id="rId5"/>
-              </a:rPr>
-              <a:t>loadClass</a:t>
-            </a:r>
-            <a:r>
-              <a:rPr lang="en-US" altLang="zh-CN" dirty="0">
-                <a:hlinkClick r:id="rId5"/>
-              </a:rPr>
-              <a:t>()</a:t>
-            </a:r>
-            <a:r>
-              <a:rPr lang="zh-CN" altLang="en-US" dirty="0"/>
-              <a:t>：这个方法用来根据名称加载</a:t>
-            </a:r>
-            <a:r>
-              <a:rPr lang="en-US" altLang="zh-CN" dirty="0"/>
-              <a:t>Java</a:t>
-            </a:r>
-            <a:r>
-              <a:rPr lang="zh-CN" altLang="en-US" dirty="0"/>
-              <a:t>类。</a:t>
-            </a:r>
-          </a:p>
-          <a:p>
-            <a:pPr latinLnBrk="1"/>
-            <a:r>
-              <a:rPr lang="en-US" altLang="zh-CN" dirty="0" err="1">
-                <a:hlinkClick r:id="rId6"/>
-              </a:rPr>
-              <a:t>resolveClass</a:t>
-            </a:r>
-            <a:r>
-              <a:rPr lang="en-US" altLang="zh-CN" dirty="0">
-                <a:hlinkClick r:id="rId6"/>
-              </a:rPr>
-              <a:t>()</a:t>
-            </a:r>
-            <a:r>
-              <a:rPr lang="zh-CN" altLang="en-US" dirty="0"/>
-              <a:t>：这个方法用来链接一个</a:t>
-            </a:r>
-            <a:r>
-              <a:rPr lang="en-US" altLang="zh-CN" dirty="0"/>
-              <a:t>Java</a:t>
-            </a:r>
-            <a:r>
-              <a:rPr lang="zh-CN" altLang="en-US" dirty="0"/>
-              <a:t>类。</a:t>
-            </a:r>
-          </a:p>
-          <a:p>
+              <a:t>加载</a:t>
+            </a:r>
+            <a:r>
+              <a:rPr lang="zh-CN" altLang="en-US" dirty="0" smtClean="0"/>
+              <a:t>器均可见；没有父子关系或后代关系的类加载器加载的类互相不可见</a:t>
+            </a:r>
             <a:endParaRPr lang="zh-CN" altLang="en-US" dirty="0"/>
           </a:p>
         </p:txBody>
@@ -4799,7 +5186,7 @@
     </p:spTree>
     <p:extLst>
       <p:ext uri="{BB962C8B-B14F-4D97-AF65-F5344CB8AC3E}">
-        <p14:creationId xmlns:p14="http://schemas.microsoft.com/office/powerpoint/2010/main" val="1162787103"/>
+        <p14:creationId xmlns:p14="http://schemas.microsoft.com/office/powerpoint/2010/main" val="2907922482"/>
       </p:ext>
     </p:extLst>
   </p:cSld>
@@ -4843,8 +5230,13 @@
           <a:p>
             <a:r>
               <a:rPr lang="zh-CN" altLang="en-US" dirty="0"/>
-              <a:t>自定义加载器</a:t>
-            </a:r>
+              <a:t>自定义加载</a:t>
+            </a:r>
+            <a:r>
+              <a:rPr lang="zh-CN" altLang="en-US" dirty="0" smtClean="0"/>
+              <a:t>器</a:t>
+            </a:r>
+            <a:endParaRPr lang="zh-CN" altLang="en-US" dirty="0"/>
           </a:p>
         </p:txBody>
       </p:sp>
@@ -4860,7 +5252,9 @@
         </p:nvSpPr>
         <p:spPr/>
         <p:txBody>
-          <a:bodyPr/>
+          <a:bodyPr>
+            <a:normAutofit fontScale="85000" lnSpcReduction="10000"/>
+          </a:bodyPr>
           <a:lstStyle/>
           <a:p>
             <a:pPr marL="514350" indent="-514350">
@@ -4950,6 +5344,30 @@
               <a:rPr lang="zh-CN" altLang="en-US" b="1" dirty="0" smtClean="0"/>
               <a:t>方法（一般不推荐破坏双亲委派）</a:t>
             </a:r>
+            <a:endParaRPr lang="en-US" altLang="zh-CN" b="1" dirty="0" smtClean="0"/>
+          </a:p>
+          <a:p>
+            <a:pPr marL="0" indent="0">
+              <a:buNone/>
+            </a:pPr>
+            <a:r>
+              <a:rPr lang="zh-CN" altLang="en-US" dirty="0" smtClean="0"/>
+              <a:t>上代码</a:t>
+            </a:r>
+            <a:r>
+              <a:rPr lang="zh-CN" altLang="en-US" dirty="0"/>
+              <a:t>：</a:t>
+            </a:r>
+            <a:r>
+              <a:rPr lang="en-US" altLang="zh-CN" dirty="0"/>
+              <a:t>https://github.com/youbeiwuhuan/practice/tree/master/classLoader</a:t>
+            </a:r>
+            <a:endParaRPr lang="zh-CN" altLang="en-US" dirty="0"/>
+          </a:p>
+          <a:p>
+            <a:pPr marL="0" indent="0">
+              <a:buNone/>
+            </a:pPr>
             <a:endParaRPr lang="en-US" altLang="zh-CN" dirty="0" smtClean="0"/>
           </a:p>
           <a:p>
